--- a/PYTHON_9_Strings.pptx
+++ b/PYTHON_9_Strings.pptx
@@ -295,7 +295,7 @@
           <a:p>
             <a:fld id="{D3853345-A581-455E-9661-1270F4F6E587}" type="datetimeFigureOut">
               <a:rPr lang="en-US" smtClean="0"/>
-              <a:t>6/20/2019</a:t>
+              <a:t>7/16/2019</a:t>
             </a:fld>
             <a:endParaRPr lang="en-US" dirty="0"/>
           </a:p>
@@ -498,7 +498,7 @@
           <a:p>
             <a:fld id="{D3853345-A581-455E-9661-1270F4F6E587}" type="datetimeFigureOut">
               <a:rPr lang="en-US" smtClean="0"/>
-              <a:t>6/20/2019</a:t>
+              <a:t>7/16/2019</a:t>
             </a:fld>
             <a:endParaRPr lang="en-US" dirty="0"/>
           </a:p>
@@ -706,7 +706,7 @@
           <a:p>
             <a:fld id="{D3853345-A581-455E-9661-1270F4F6E587}" type="datetimeFigureOut">
               <a:rPr lang="en-US" smtClean="0"/>
-              <a:t>6/20/2019</a:t>
+              <a:t>7/16/2019</a:t>
             </a:fld>
             <a:endParaRPr lang="en-US" dirty="0"/>
           </a:p>
@@ -904,7 +904,7 @@
           <a:p>
             <a:fld id="{D3853345-A581-455E-9661-1270F4F6E587}" type="datetimeFigureOut">
               <a:rPr lang="en-US" smtClean="0"/>
-              <a:t>6/20/2019</a:t>
+              <a:t>7/16/2019</a:t>
             </a:fld>
             <a:endParaRPr lang="en-US" dirty="0"/>
           </a:p>
@@ -1179,7 +1179,7 @@
           <a:p>
             <a:fld id="{D3853345-A581-455E-9661-1270F4F6E587}" type="datetimeFigureOut">
               <a:rPr lang="en-US" smtClean="0"/>
-              <a:t>6/20/2019</a:t>
+              <a:t>7/16/2019</a:t>
             </a:fld>
             <a:endParaRPr lang="en-US" dirty="0"/>
           </a:p>
@@ -1444,7 +1444,7 @@
           <a:p>
             <a:fld id="{D3853345-A581-455E-9661-1270F4F6E587}" type="datetimeFigureOut">
               <a:rPr lang="en-US" smtClean="0"/>
-              <a:t>6/20/2019</a:t>
+              <a:t>7/16/2019</a:t>
             </a:fld>
             <a:endParaRPr lang="en-US" dirty="0"/>
           </a:p>
@@ -1856,7 +1856,7 @@
           <a:p>
             <a:fld id="{D3853345-A581-455E-9661-1270F4F6E587}" type="datetimeFigureOut">
               <a:rPr lang="en-US" smtClean="0"/>
-              <a:t>6/20/2019</a:t>
+              <a:t>7/16/2019</a:t>
             </a:fld>
             <a:endParaRPr lang="en-US" dirty="0"/>
           </a:p>
@@ -1997,7 +1997,7 @@
           <a:p>
             <a:fld id="{D3853345-A581-455E-9661-1270F4F6E587}" type="datetimeFigureOut">
               <a:rPr lang="en-US" smtClean="0"/>
-              <a:t>6/20/2019</a:t>
+              <a:t>7/16/2019</a:t>
             </a:fld>
             <a:endParaRPr lang="en-US" dirty="0"/>
           </a:p>
@@ -2110,7 +2110,7 @@
           <a:p>
             <a:fld id="{D3853345-A581-455E-9661-1270F4F6E587}" type="datetimeFigureOut">
               <a:rPr lang="en-US" smtClean="0"/>
-              <a:t>6/20/2019</a:t>
+              <a:t>7/16/2019</a:t>
             </a:fld>
             <a:endParaRPr lang="en-US" dirty="0"/>
           </a:p>
@@ -2426,7 +2426,7 @@
           <a:p>
             <a:fld id="{D3853345-A581-455E-9661-1270F4F6E587}" type="datetimeFigureOut">
               <a:rPr lang="en-US" smtClean="0"/>
-              <a:t>6/20/2019</a:t>
+              <a:t>7/16/2019</a:t>
             </a:fld>
             <a:endParaRPr lang="en-US" dirty="0"/>
           </a:p>
@@ -2719,7 +2719,7 @@
           <a:p>
             <a:fld id="{D3853345-A581-455E-9661-1270F4F6E587}" type="datetimeFigureOut">
               <a:rPr lang="en-US" smtClean="0"/>
-              <a:t>6/20/2019</a:t>
+              <a:t>7/16/2019</a:t>
             </a:fld>
             <a:endParaRPr lang="en-US" dirty="0"/>
           </a:p>
@@ -2960,7 +2960,7 @@
           <a:p>
             <a:fld id="{D3853345-A581-455E-9661-1270F4F6E587}" type="datetimeFigureOut">
               <a:rPr lang="en-US" smtClean="0"/>
-              <a:t>6/20/2019</a:t>
+              <a:t>7/16/2019</a:t>
             </a:fld>
             <a:endParaRPr lang="en-US" dirty="0"/>
           </a:p>
@@ -4128,16 +4128,16 @@
             </a:pPr>
             <a:r>
               <a:rPr lang="en-US" dirty="0"/>
-              <a:t>&gt;&gt;&gt; "CMSC " + str(201) </a:t>
-            </a:r>
-          </a:p>
-          <a:p>
-            <a:pPr marL="0" indent="0">
-              <a:buNone/>
-            </a:pPr>
-            <a:r>
-              <a:rPr lang="en-US" dirty="0"/>
-              <a:t>      'CMSC 201'</a:t>
+              <a:t>&gt;&gt;&gt; “Upward Bound" + str(2019) </a:t>
+            </a:r>
+          </a:p>
+          <a:p>
+            <a:pPr marL="0" indent="0">
+              <a:buNone/>
+            </a:pPr>
+            <a:r>
+              <a:rPr lang="en-US" dirty="0"/>
+              <a:t>      ' Upward Bound 2019'</a:t>
             </a:r>
           </a:p>
           <a:p>
@@ -6346,15 +6346,7 @@
                   <a:srgbClr val="00B050"/>
                 </a:solidFill>
               </a:rPr>
-              <a:t>around \t the \</a:t>
-            </a:r>
-            <a:r>
-              <a:rPr lang="en-US" dirty="0" err="1">
-                <a:solidFill>
-                  <a:srgbClr val="00B050"/>
-                </a:solidFill>
-              </a:rPr>
-              <a:t>nworld</a:t>
+              <a:t>around \t the \n world</a:t>
             </a:r>
             <a:r>
               <a:rPr lang="en-US" dirty="0"/>
@@ -6721,15 +6713,7 @@
             </a:pPr>
             <a:r>
               <a:rPr lang="en-US" dirty="0"/>
-              <a:t>• Splitting a string creates a </a:t>
-            </a:r>
-            <a:r>
-              <a:rPr lang="en-US" dirty="0" err="1"/>
-              <a:t>listof</a:t>
-            </a:r>
-            <a:r>
-              <a:rPr lang="en-US" dirty="0"/>
-              <a:t> smaller strings </a:t>
+              <a:t>• Splitting a string creates a list of smaller strings </a:t>
             </a:r>
           </a:p>
           <a:p>
@@ -7389,8 +7373,8 @@
         </p:blipFill>
         <p:spPr>
           <a:xfrm>
-            <a:off x="1826983" y="643466"/>
-            <a:ext cx="8538034" cy="5571067"/>
+            <a:off x="1280161" y="168812"/>
+            <a:ext cx="9580098" cy="6288259"/>
           </a:xfrm>
           <a:prstGeom prst="rect">
             <a:avLst/>

--- a/PYTHON_9_Strings.pptx
+++ b/PYTHON_9_Strings.pptx
@@ -3710,7 +3710,7 @@
             </a:r>
             <a:r>
               <a:rPr lang="en-US" dirty="0" err="1"/>
-              <a:t>s.lower</a:t>
+              <a:t>variable.lower</a:t>
             </a:r>
             <a:r>
               <a:rPr lang="en-US" dirty="0"/>
@@ -3727,7 +3727,7 @@
             </a:r>
             <a:r>
               <a:rPr lang="en-US" dirty="0" err="1"/>
-              <a:t>s.upper</a:t>
+              <a:t>variable.upper</a:t>
             </a:r>
             <a:r>
               <a:rPr lang="en-US" dirty="0"/>
@@ -5381,9 +5381,10 @@
               <a:buNone/>
             </a:pPr>
             <a:r>
-              <a:rPr lang="en-US" dirty="0"/>
-              <a:t>    –Learn about and use some of their built-in methods </a:t>
-            </a:r>
+              <a:rPr lang="en-US"/>
+              <a:t>    </a:t>
+            </a:r>
+            <a:endParaRPr lang="en-US" dirty="0"/>
           </a:p>
           <a:p>
             <a:pPr marL="0" indent="0">

--- a/PYTHON_9_Strings.pptx
+++ b/PYTHON_9_Strings.pptx
@@ -23,25 +23,24 @@
     <p:sldId id="306" r:id="rId17"/>
     <p:sldId id="307" r:id="rId18"/>
     <p:sldId id="308" r:id="rId19"/>
-    <p:sldId id="309" r:id="rId20"/>
-    <p:sldId id="310" r:id="rId21"/>
-    <p:sldId id="311" r:id="rId22"/>
-    <p:sldId id="312" r:id="rId23"/>
-    <p:sldId id="313" r:id="rId24"/>
-    <p:sldId id="314" r:id="rId25"/>
-    <p:sldId id="316" r:id="rId26"/>
-    <p:sldId id="317" r:id="rId27"/>
-    <p:sldId id="318" r:id="rId28"/>
-    <p:sldId id="319" r:id="rId29"/>
-    <p:sldId id="320" r:id="rId30"/>
-    <p:sldId id="321" r:id="rId31"/>
-    <p:sldId id="322" r:id="rId32"/>
-    <p:sldId id="323" r:id="rId33"/>
-    <p:sldId id="324" r:id="rId34"/>
-    <p:sldId id="325" r:id="rId35"/>
-    <p:sldId id="326" r:id="rId36"/>
-    <p:sldId id="327" r:id="rId37"/>
-    <p:sldId id="291" r:id="rId38"/>
+    <p:sldId id="310" r:id="rId20"/>
+    <p:sldId id="311" r:id="rId21"/>
+    <p:sldId id="312" r:id="rId22"/>
+    <p:sldId id="313" r:id="rId23"/>
+    <p:sldId id="314" r:id="rId24"/>
+    <p:sldId id="316" r:id="rId25"/>
+    <p:sldId id="317" r:id="rId26"/>
+    <p:sldId id="318" r:id="rId27"/>
+    <p:sldId id="319" r:id="rId28"/>
+    <p:sldId id="320" r:id="rId29"/>
+    <p:sldId id="321" r:id="rId30"/>
+    <p:sldId id="322" r:id="rId31"/>
+    <p:sldId id="323" r:id="rId32"/>
+    <p:sldId id="324" r:id="rId33"/>
+    <p:sldId id="325" r:id="rId34"/>
+    <p:sldId id="326" r:id="rId35"/>
+    <p:sldId id="327" r:id="rId36"/>
+    <p:sldId id="291" r:id="rId37"/>
   </p:sldIdLst>
   <p:sldSz cx="12192000" cy="6858000"/>
   <p:notesSz cx="6858000" cy="9144000"/>
@@ -4967,14 +4966,6 @@
 <file path=ppt/slides/slide19.xml><?xml version="1.0" encoding="utf-8"?>
 <p:sld xmlns:a="http://schemas.openxmlformats.org/drawingml/2006/main" xmlns:r="http://schemas.openxmlformats.org/officeDocument/2006/relationships" xmlns:p="http://schemas.openxmlformats.org/presentationml/2006/main">
   <p:cSld>
-    <p:bg>
-      <p:bgPr>
-        <a:solidFill>
-          <a:schemeClr val="bg1"/>
-        </a:solidFill>
-        <a:effectLst/>
-      </p:bgPr>
-    </p:bg>
     <p:spTree>
       <p:nvGrpSpPr>
         <p:cNvPr id="1" name=""/>
@@ -4991,278 +4982,41 @@
       </p:grpSpPr>
       <p:sp>
         <p:nvSpPr>
-          <p:cNvPr id="14" name="Rectangle 9">
-            <a:extLst>
-              <a:ext uri="{FF2B5EF4-FFF2-40B4-BE49-F238E27FC236}">
-                <a16:creationId xmlns:a16="http://schemas.microsoft.com/office/drawing/2014/main" id="{42A5316D-ED2F-4F89-B4B4-8D9240B1A348}"/>
-              </a:ext>
-              <a:ext uri="{C183D7F6-B498-43B3-948B-1728B52AA6E4}">
-                <adec:decorative xmlns:adec="http://schemas.microsoft.com/office/drawing/2017/decorative" val="1"/>
-              </a:ext>
-            </a:extLst>
-          </p:cNvPr>
-          <p:cNvSpPr>
-            <a:spLocks noGrp="1" noRot="1" noChangeAspect="1" noMove="1" noResize="1" noEditPoints="1" noAdjustHandles="1" noChangeArrowheads="1" noChangeShapeType="1" noTextEdit="1"/>
-          </p:cNvSpPr>
-          <p:nvPr>
-            <p:extLst>
-              <p:ext uri="{386F3935-93C4-4BCD-93E2-E3B085C9AB24}">
-                <p16:designElem xmlns:p16="http://schemas.microsoft.com/office/powerpoint/2015/main" val="1"/>
-              </p:ext>
-            </p:extLst>
+          <p:cNvPr id="2" name="Title 1">
+            <a:extLst>
+              <a:ext uri="{FF2B5EF4-FFF2-40B4-BE49-F238E27FC236}">
+                <a16:creationId xmlns:a16="http://schemas.microsoft.com/office/drawing/2014/main" id="{CF45FA18-71A7-4524-ACEC-5418ABF78698}"/>
+              </a:ext>
+            </a:extLst>
+          </p:cNvPr>
+          <p:cNvSpPr>
+            <a:spLocks noGrp="1"/>
+          </p:cNvSpPr>
+          <p:nvPr>
+            <p:ph type="title"/>
           </p:nvPr>
         </p:nvSpPr>
         <p:spPr>
           <a:xfrm>
-            <a:off x="0" y="0"/>
-            <a:ext cx="2013557" cy="6858000"/>
-          </a:xfrm>
-          <a:prstGeom prst="rect">
-            <a:avLst/>
-          </a:prstGeom>
-          <a:solidFill>
-            <a:srgbClr val="7F7F7F"/>
-          </a:solidFill>
-          <a:ln>
-            <a:noFill/>
-          </a:ln>
-        </p:spPr>
-        <p:style>
-          <a:lnRef idx="2">
-            <a:schemeClr val="accent1">
-              <a:shade val="50000"/>
-            </a:schemeClr>
-          </a:lnRef>
-          <a:fillRef idx="1">
-            <a:schemeClr val="accent1"/>
-          </a:fillRef>
-          <a:effectRef idx="0">
-            <a:schemeClr val="accent1"/>
-          </a:effectRef>
-          <a:fontRef idx="minor">
-            <a:schemeClr val="lt1"/>
-          </a:fontRef>
-        </p:style>
-        <p:txBody>
-          <a:bodyPr rtlCol="0" anchor="ctr"/>
-          <a:lstStyle/>
-          <a:p>
-            <a:pPr marL="0" marR="0" lvl="0" indent="0" algn="ctr" defTabSz="914400" rtl="0" eaLnBrk="1" fontAlgn="auto" latinLnBrk="0" hangingPunct="1">
-              <a:lnSpc>
-                <a:spcPct val="100000"/>
-              </a:lnSpc>
-              <a:spcBef>
-                <a:spcPts val="0"/>
-              </a:spcBef>
-              <a:spcAft>
-                <a:spcPts val="0"/>
-              </a:spcAft>
-              <a:buClrTx/>
-              <a:buSzTx/>
-              <a:buFontTx/>
-              <a:buNone/>
-              <a:tabLst/>
-              <a:defRPr/>
-            </a:pPr>
-            <a:endParaRPr kumimoji="0" lang="en-US" sz="1800" b="0" i="0" u="none" strike="noStrike" kern="1200" cap="none" spc="0" normalizeH="0" baseline="0" noProof="0">
-              <a:ln>
-                <a:noFill/>
-              </a:ln>
-              <a:solidFill>
-                <a:prstClr val="white"/>
-              </a:solidFill>
-              <a:effectLst/>
-              <a:uLnTx/>
-              <a:uFillTx/>
-              <a:latin typeface="Calibri" panose="020F0502020204030204"/>
-              <a:ea typeface="+mn-ea"/>
-              <a:cs typeface="+mn-cs"/>
-            </a:endParaRPr>
-          </a:p>
-        </p:txBody>
-      </p:sp>
-      <p:sp>
-        <p:nvSpPr>
-          <p:cNvPr id="2" name="Title 1">
-            <a:extLst>
-              <a:ext uri="{FF2B5EF4-FFF2-40B4-BE49-F238E27FC236}">
-                <a16:creationId xmlns:a16="http://schemas.microsoft.com/office/drawing/2014/main" id="{3568AC9F-4539-4AB3-B312-25E6D7998A0B}"/>
-              </a:ext>
-            </a:extLst>
-          </p:cNvPr>
-          <p:cNvSpPr>
-            <a:spLocks noGrp="1"/>
-          </p:cNvSpPr>
-          <p:nvPr>
-            <p:ph type="title"/>
-          </p:nvPr>
-        </p:nvSpPr>
-        <p:spPr>
-          <a:xfrm>
-            <a:off x="694510" y="1487272"/>
-            <a:ext cx="2743200" cy="2743200"/>
-          </a:xfrm>
-          <a:prstGeom prst="ellipse">
-            <a:avLst/>
-          </a:prstGeom>
-          <a:solidFill>
-            <a:srgbClr val="262626"/>
-          </a:solidFill>
-          <a:ln w="174625" cmpd="thinThick">
-            <a:solidFill>
-              <a:srgbClr val="262626"/>
-            </a:solidFill>
-          </a:ln>
-        </p:spPr>
-        <p:txBody>
-          <a:bodyPr>
-            <a:normAutofit/>
-          </a:bodyPr>
-          <a:lstStyle/>
-          <a:p>
-            <a:pPr algn="ctr"/>
-            <a:r>
-              <a:rPr lang="en-US" sz="2600">
-                <a:solidFill>
-                  <a:srgbClr val="FFFFFF"/>
-                </a:solidFill>
-              </a:rPr>
-              <a:t>How Python Handles Escape Sequences </a:t>
-            </a:r>
-          </a:p>
-        </p:txBody>
-      </p:sp>
-      <p:pic>
-        <p:nvPicPr>
-          <p:cNvPr id="5" name="Picture 4">
-            <a:extLst>
-              <a:ext uri="{FF2B5EF4-FFF2-40B4-BE49-F238E27FC236}">
-                <a16:creationId xmlns:a16="http://schemas.microsoft.com/office/drawing/2014/main" id="{DC5ED7B6-E0C1-4D75-9359-9944EF73B237}"/>
-              </a:ext>
-            </a:extLst>
-          </p:cNvPr>
-          <p:cNvPicPr>
-            <a:picLocks noChangeAspect="1"/>
-          </p:cNvPicPr>
-          <p:nvPr/>
-        </p:nvPicPr>
-        <p:blipFill>
-          <a:blip r:embed="rId2">
-            <a:extLst>
-              <a:ext uri="{28A0092B-C50C-407E-A947-70E740481C1C}">
-                <a14:useLocalDpi xmlns:a14="http://schemas.microsoft.com/office/drawing/2010/main" val="0"/>
-              </a:ext>
-            </a:extLst>
-          </a:blip>
-          <a:stretch>
-            <a:fillRect/>
-          </a:stretch>
-        </p:blipFill>
-        <p:spPr>
-          <a:xfrm>
-            <a:off x="4038600" y="2131067"/>
-            <a:ext cx="7188199" cy="1455610"/>
-          </a:xfrm>
-          <a:prstGeom prst="rect">
-            <a:avLst/>
-          </a:prstGeom>
-        </p:spPr>
-      </p:pic>
-      <p:sp>
-        <p:nvSpPr>
-          <p:cNvPr id="3" name="Content Placeholder 2">
-            <a:extLst>
-              <a:ext uri="{FF2B5EF4-FFF2-40B4-BE49-F238E27FC236}">
-                <a16:creationId xmlns:a16="http://schemas.microsoft.com/office/drawing/2014/main" id="{314AF737-5068-453E-8769-D7B6A191A7A1}"/>
-              </a:ext>
-            </a:extLst>
-          </p:cNvPr>
-          <p:cNvSpPr>
-            <a:spLocks noGrp="1"/>
-          </p:cNvSpPr>
-          <p:nvPr>
-            <p:ph idx="1"/>
-          </p:nvPr>
-        </p:nvSpPr>
-        <p:spPr>
-          <a:xfrm>
-            <a:off x="4038600" y="3812345"/>
-            <a:ext cx="7188199" cy="2364618"/>
+            <a:off x="4222066" y="2362737"/>
+            <a:ext cx="3747868" cy="1325563"/>
           </a:xfrm>
         </p:spPr>
         <p:txBody>
-          <a:bodyPr>
-            <a:normAutofit lnSpcReduction="10000"/>
-          </a:bodyPr>
-          <a:lstStyle/>
-          <a:p>
-            <a:pPr marL="0" indent="0">
-              <a:buNone/>
-            </a:pPr>
-            <a:r>
-              <a:rPr lang="en-US" dirty="0"/>
-              <a:t>• Escape sequences look like two characters to us </a:t>
-            </a:r>
-          </a:p>
-          <a:p>
-            <a:pPr marL="0" indent="0">
-              <a:buNone/>
-            </a:pPr>
-            <a:r>
-              <a:rPr lang="en-US" dirty="0"/>
-              <a:t>• Python treats them as a single character</a:t>
-            </a:r>
-          </a:p>
-          <a:p>
-            <a:pPr marL="0" indent="0">
-              <a:buNone/>
-            </a:pPr>
-            <a:r>
-              <a:rPr lang="en-US" dirty="0"/>
-              <a:t>         example1 = "dog\n" </a:t>
-            </a:r>
-          </a:p>
-          <a:p>
-            <a:pPr marL="0" indent="0">
-              <a:buNone/>
-            </a:pPr>
-            <a:r>
-              <a:rPr lang="en-US" dirty="0"/>
-              <a:t>         example2 = "\</a:t>
-            </a:r>
-            <a:r>
-              <a:rPr lang="en-US" dirty="0" err="1"/>
-              <a:t>tcat</a:t>
-            </a:r>
-            <a:r>
-              <a:rPr lang="en-US" dirty="0"/>
-              <a:t>“</a:t>
-            </a:r>
-          </a:p>
-          <a:p>
-            <a:pPr marL="0" indent="0">
-              <a:buNone/>
-            </a:pPr>
-            <a:endParaRPr lang="en-US" sz="1400" dirty="0"/>
-          </a:p>
-          <a:p>
-            <a:pPr marL="0" indent="0">
-              <a:buNone/>
-            </a:pPr>
-            <a:endParaRPr lang="en-US" sz="1400" dirty="0"/>
-          </a:p>
-          <a:p>
-            <a:pPr marL="0" indent="0">
-              <a:buNone/>
-            </a:pPr>
-            <a:endParaRPr lang="en-US" sz="1400" dirty="0"/>
+          <a:bodyPr/>
+          <a:lstStyle/>
+          <a:p>
+            <a:r>
+              <a:rPr lang="en-US" b="1" dirty="0"/>
+              <a:t>String Splitting</a:t>
+            </a:r>
           </a:p>
         </p:txBody>
       </p:sp>
     </p:spTree>
     <p:extLst>
       <p:ext uri="{BB962C8B-B14F-4D97-AF65-F5344CB8AC3E}">
-        <p14:creationId xmlns:p14="http://schemas.microsoft.com/office/powerpoint/2010/main" val="1660639310"/>
+        <p14:creationId xmlns:p14="http://schemas.microsoft.com/office/powerpoint/2010/main" val="2066324419"/>
       </p:ext>
     </p:extLst>
   </p:cSld>
@@ -5474,7 +5228,7 @@
           <p:cNvPr id="2" name="Title 1">
             <a:extLst>
               <a:ext uri="{FF2B5EF4-FFF2-40B4-BE49-F238E27FC236}">
-                <a16:creationId xmlns:a16="http://schemas.microsoft.com/office/drawing/2014/main" id="{CF45FA18-71A7-4524-ACEC-5418ABF78698}"/>
+                <a16:creationId xmlns:a16="http://schemas.microsoft.com/office/drawing/2014/main" id="{098F6355-A22D-4E53-A5F7-F1F085D69DFB}"/>
               </a:ext>
             </a:extLst>
           </p:cNvPr>
@@ -5485,27 +5239,102 @@
             <p:ph type="title"/>
           </p:nvPr>
         </p:nvSpPr>
-        <p:spPr>
-          <a:xfrm>
-            <a:off x="4222066" y="2362737"/>
-            <a:ext cx="3747868" cy="1325563"/>
-          </a:xfrm>
-        </p:spPr>
+        <p:spPr/>
         <p:txBody>
           <a:bodyPr/>
           <a:lstStyle/>
           <a:p>
             <a:r>
-              <a:rPr lang="en-US" b="1" dirty="0"/>
-              <a:t>String Splitting</a:t>
-            </a:r>
+              <a:rPr lang="en-US"/>
+              <a:t>String Splitting </a:t>
+            </a:r>
+            <a:endParaRPr lang="en-US" dirty="0"/>
+          </a:p>
+        </p:txBody>
+      </p:sp>
+      <p:sp>
+        <p:nvSpPr>
+          <p:cNvPr id="3" name="Content Placeholder 2">
+            <a:extLst>
+              <a:ext uri="{FF2B5EF4-FFF2-40B4-BE49-F238E27FC236}">
+                <a16:creationId xmlns:a16="http://schemas.microsoft.com/office/drawing/2014/main" id="{E16581AD-0278-4F9A-A512-9426903D82A6}"/>
+              </a:ext>
+            </a:extLst>
+          </p:cNvPr>
+          <p:cNvSpPr>
+            <a:spLocks noGrp="1"/>
+          </p:cNvSpPr>
+          <p:nvPr>
+            <p:ph idx="1"/>
+          </p:nvPr>
+        </p:nvSpPr>
+        <p:spPr/>
+        <p:txBody>
+          <a:bodyPr/>
+          <a:lstStyle/>
+          <a:p>
+            <a:pPr marL="0" indent="0">
+              <a:buNone/>
+            </a:pPr>
+            <a:r>
+              <a:rPr lang="en-US" dirty="0"/>
+              <a:t>• We can also break a string into pieces</a:t>
+            </a:r>
+          </a:p>
+          <a:p>
+            <a:pPr marL="0" indent="0">
+              <a:buNone/>
+            </a:pPr>
+            <a:r>
+              <a:rPr lang="en-US" dirty="0"/>
+              <a:t>     –Stored as a list of strings</a:t>
+            </a:r>
+          </a:p>
+          <a:p>
+            <a:pPr marL="0" indent="0">
+              <a:buNone/>
+            </a:pPr>
+            <a:endParaRPr lang="en-US" dirty="0"/>
+          </a:p>
+          <a:p>
+            <a:pPr marL="0" indent="0">
+              <a:buNone/>
+            </a:pPr>
+            <a:r>
+              <a:rPr lang="en-US" dirty="0"/>
+              <a:t>• The method is called split(), and it has two ways it can be used: </a:t>
+            </a:r>
+          </a:p>
+          <a:p>
+            <a:pPr marL="0" indent="0">
+              <a:buNone/>
+            </a:pPr>
+            <a:r>
+              <a:rPr lang="en-US" dirty="0"/>
+              <a:t>    –Break the string up by its whitespace </a:t>
+            </a:r>
+          </a:p>
+          <a:p>
+            <a:pPr marL="0" indent="0">
+              <a:buNone/>
+            </a:pPr>
+            <a:r>
+              <a:rPr lang="en-US" dirty="0"/>
+              <a:t>    –Break the string up by a specific character</a:t>
+            </a:r>
+          </a:p>
+          <a:p>
+            <a:pPr marL="0" indent="0">
+              <a:buNone/>
+            </a:pPr>
+            <a:endParaRPr lang="en-US" dirty="0"/>
           </a:p>
         </p:txBody>
       </p:sp>
     </p:spTree>
     <p:extLst>
       <p:ext uri="{BB962C8B-B14F-4D97-AF65-F5344CB8AC3E}">
-        <p14:creationId xmlns:p14="http://schemas.microsoft.com/office/powerpoint/2010/main" val="2066324419"/>
+        <p14:creationId xmlns:p14="http://schemas.microsoft.com/office/powerpoint/2010/main" val="1084414966"/>
       </p:ext>
     </p:extLst>
   </p:cSld>
@@ -5537,7 +5366,7 @@
           <p:cNvPr id="2" name="Title 1">
             <a:extLst>
               <a:ext uri="{FF2B5EF4-FFF2-40B4-BE49-F238E27FC236}">
-                <a16:creationId xmlns:a16="http://schemas.microsoft.com/office/drawing/2014/main" id="{098F6355-A22D-4E53-A5F7-F1F085D69DFB}"/>
+                <a16:creationId xmlns:a16="http://schemas.microsoft.com/office/drawing/2014/main" id="{F4BF9202-3F1A-4796-8F9D-DDC4C616470C}"/>
               </a:ext>
             </a:extLst>
           </p:cNvPr>
@@ -5548,16 +5377,20 @@
             <p:ph type="title"/>
           </p:nvPr>
         </p:nvSpPr>
-        <p:spPr/>
+        <p:spPr>
+          <a:xfrm>
+            <a:off x="838200" y="137477"/>
+            <a:ext cx="10515600" cy="1325563"/>
+          </a:xfrm>
+        </p:spPr>
         <p:txBody>
           <a:bodyPr/>
           <a:lstStyle/>
           <a:p>
             <a:r>
-              <a:rPr lang="en-US"/>
-              <a:t>String Splitting </a:t>
-            </a:r>
-            <a:endParaRPr lang="en-US" dirty="0"/>
+              <a:rPr lang="en-US" b="1" dirty="0"/>
+              <a:t>Splitting by Whitespace </a:t>
+            </a:r>
           </a:p>
         </p:txBody>
       </p:sp>
@@ -5566,7 +5399,7 @@
           <p:cNvPr id="3" name="Content Placeholder 2">
             <a:extLst>
               <a:ext uri="{FF2B5EF4-FFF2-40B4-BE49-F238E27FC236}">
-                <a16:creationId xmlns:a16="http://schemas.microsoft.com/office/drawing/2014/main" id="{E16581AD-0278-4F9A-A512-9426903D82A6}"/>
+                <a16:creationId xmlns:a16="http://schemas.microsoft.com/office/drawing/2014/main" id="{D586B14A-2997-482E-8DEA-588AD54D1B6A}"/>
               </a:ext>
             </a:extLst>
           </p:cNvPr>
@@ -5577,73 +5410,132 @@
             <p:ph idx="1"/>
           </p:nvPr>
         </p:nvSpPr>
-        <p:spPr/>
-        <p:txBody>
-          <a:bodyPr/>
-          <a:lstStyle/>
-          <a:p>
-            <a:pPr marL="0" indent="0">
-              <a:buNone/>
-            </a:pPr>
-            <a:r>
-              <a:rPr lang="en-US" dirty="0"/>
-              <a:t>• We can also break a string into pieces</a:t>
-            </a:r>
-          </a:p>
-          <a:p>
-            <a:pPr marL="0" indent="0">
-              <a:buNone/>
-            </a:pPr>
-            <a:r>
-              <a:rPr lang="en-US" dirty="0"/>
-              <a:t>     –Stored as a list of strings</a:t>
-            </a:r>
-          </a:p>
-          <a:p>
-            <a:pPr marL="0" indent="0">
-              <a:buNone/>
-            </a:pPr>
-            <a:endParaRPr lang="en-US" dirty="0"/>
-          </a:p>
-          <a:p>
-            <a:pPr marL="0" indent="0">
-              <a:buNone/>
-            </a:pPr>
-            <a:r>
-              <a:rPr lang="en-US" dirty="0"/>
-              <a:t>• The method is called split(), and it has two ways it can be used: </a:t>
-            </a:r>
-          </a:p>
-          <a:p>
-            <a:pPr marL="0" indent="0">
-              <a:buNone/>
-            </a:pPr>
-            <a:r>
-              <a:rPr lang="en-US" dirty="0"/>
-              <a:t>    –Break the string up by its whitespace </a:t>
-            </a:r>
-          </a:p>
-          <a:p>
-            <a:pPr marL="0" indent="0">
-              <a:buNone/>
-            </a:pPr>
-            <a:r>
-              <a:rPr lang="en-US" dirty="0"/>
-              <a:t>    –Break the string up by a specific character</a:t>
-            </a:r>
-          </a:p>
-          <a:p>
-            <a:pPr marL="0" indent="0">
-              <a:buNone/>
-            </a:pPr>
-            <a:endParaRPr lang="en-US" dirty="0"/>
+        <p:spPr>
+          <a:xfrm>
+            <a:off x="838200" y="1463040"/>
+            <a:ext cx="10515600" cy="4713923"/>
+          </a:xfrm>
+        </p:spPr>
+        <p:txBody>
+          <a:bodyPr>
+            <a:normAutofit/>
+          </a:bodyPr>
+          <a:lstStyle/>
+          <a:p>
+            <a:pPr marL="0" indent="0">
+              <a:buNone/>
+            </a:pPr>
+            <a:r>
+              <a:rPr lang="en-US" dirty="0"/>
+              <a:t>• Calling </a:t>
+            </a:r>
+            <a:r>
+              <a:rPr lang="en-US" b="1" dirty="0"/>
+              <a:t>split() </a:t>
+            </a:r>
+            <a:r>
+              <a:rPr lang="en-US" dirty="0"/>
+              <a:t>with nothing inside the parentheses will split on </a:t>
+            </a:r>
+            <a:r>
+              <a:rPr lang="en-US" u="sng" dirty="0"/>
+              <a:t>all </a:t>
+            </a:r>
+          </a:p>
+          <a:p>
+            <a:pPr marL="0" indent="0">
+              <a:buNone/>
+            </a:pPr>
+            <a:r>
+              <a:rPr lang="en-US" dirty="0"/>
+              <a:t>    whitespace</a:t>
+            </a:r>
+          </a:p>
+          <a:p>
+            <a:pPr marL="0" indent="0">
+              <a:buNone/>
+            </a:pPr>
+            <a:r>
+              <a:rPr lang="en-US" dirty="0"/>
+              <a:t>   –Even the “interior” whitespace </a:t>
+            </a:r>
+          </a:p>
+          <a:p>
+            <a:pPr marL="0" indent="0">
+              <a:buNone/>
+            </a:pPr>
+            <a:r>
+              <a:rPr lang="en-US" dirty="0"/>
+              <a:t>&gt;&gt;&gt; line = "hello world \n" </a:t>
+            </a:r>
+          </a:p>
+          <a:p>
+            <a:pPr marL="0" indent="0">
+              <a:buNone/>
+            </a:pPr>
+            <a:r>
+              <a:rPr lang="en-US" dirty="0"/>
+              <a:t>&gt;&gt;&gt; </a:t>
+            </a:r>
+            <a:r>
+              <a:rPr lang="en-US" dirty="0" err="1"/>
+              <a:t>line.split</a:t>
+            </a:r>
+            <a:r>
+              <a:rPr lang="en-US" dirty="0"/>
+              <a:t>() </a:t>
+            </a:r>
+          </a:p>
+          <a:p>
+            <a:pPr marL="0" indent="0">
+              <a:buNone/>
+            </a:pPr>
+            <a:r>
+              <a:rPr lang="en-US" dirty="0"/>
+              <a:t>       ['hello', 'world’] </a:t>
+            </a:r>
+          </a:p>
+          <a:p>
+            <a:pPr marL="0" indent="0">
+              <a:buNone/>
+            </a:pPr>
+            <a:r>
+              <a:rPr lang="en-US" dirty="0"/>
+              <a:t>&gt;&gt;&gt; love = "\t\n I love\t\t\n whitespace\n  “</a:t>
+            </a:r>
+          </a:p>
+          <a:p>
+            <a:pPr marL="0" indent="0">
+              <a:buNone/>
+            </a:pPr>
+            <a:r>
+              <a:rPr lang="en-US" dirty="0"/>
+              <a:t>&gt;&gt;&gt; </a:t>
+            </a:r>
+            <a:r>
+              <a:rPr lang="en-US" dirty="0" err="1"/>
+              <a:t>love.split</a:t>
+            </a:r>
+            <a:r>
+              <a:rPr lang="en-US" dirty="0"/>
+              <a:t>() </a:t>
+            </a:r>
+          </a:p>
+          <a:p>
+            <a:pPr marL="0" indent="0">
+              <a:buNone/>
+            </a:pPr>
+            <a:r>
+              <a:rPr lang="en-US" dirty="0"/>
+              <a:t>['I', 'love', 'whitespace']</a:t>
+            </a:r>
           </a:p>
         </p:txBody>
       </p:sp>
     </p:spTree>
     <p:extLst>
       <p:ext uri="{BB962C8B-B14F-4D97-AF65-F5344CB8AC3E}">
-        <p14:creationId xmlns:p14="http://schemas.microsoft.com/office/powerpoint/2010/main" val="1084414966"/>
+        <p14:creationId xmlns:p14="http://schemas.microsoft.com/office/powerpoint/2010/main" val="2212899519"/>
       </p:ext>
     </p:extLst>
   </p:cSld>
@@ -5675,7 +5567,7 @@
           <p:cNvPr id="2" name="Title 1">
             <a:extLst>
               <a:ext uri="{FF2B5EF4-FFF2-40B4-BE49-F238E27FC236}">
-                <a16:creationId xmlns:a16="http://schemas.microsoft.com/office/drawing/2014/main" id="{F4BF9202-3F1A-4796-8F9D-DDC4C616470C}"/>
+                <a16:creationId xmlns:a16="http://schemas.microsoft.com/office/drawing/2014/main" id="{D35FEBE7-CCBE-444B-B656-9D22E9579A3A}"/>
               </a:ext>
             </a:extLst>
           </p:cNvPr>
@@ -5688,7 +5580,7 @@
         </p:nvSpPr>
         <p:spPr>
           <a:xfrm>
-            <a:off x="838200" y="137477"/>
+            <a:off x="838200" y="67139"/>
             <a:ext cx="10515600" cy="1325563"/>
           </a:xfrm>
         </p:spPr>
@@ -5698,7 +5590,7 @@
           <a:p>
             <a:r>
               <a:rPr lang="en-US" b="1" dirty="0"/>
-              <a:t>Splitting by Whitespace </a:t>
+              <a:t>Splitting by Specific Character </a:t>
             </a:r>
           </a:p>
         </p:txBody>
@@ -5708,7 +5600,7 @@
           <p:cNvPr id="3" name="Content Placeholder 2">
             <a:extLst>
               <a:ext uri="{FF2B5EF4-FFF2-40B4-BE49-F238E27FC236}">
-                <a16:creationId xmlns:a16="http://schemas.microsoft.com/office/drawing/2014/main" id="{D586B14A-2997-482E-8DEA-588AD54D1B6A}"/>
+                <a16:creationId xmlns:a16="http://schemas.microsoft.com/office/drawing/2014/main" id="{14A5CE00-286A-4615-BE24-41A79019CD32}"/>
               </a:ext>
             </a:extLst>
           </p:cNvPr>
@@ -5721,13 +5613,13 @@
         </p:nvSpPr>
         <p:spPr>
           <a:xfrm>
-            <a:off x="838200" y="1463040"/>
-            <a:ext cx="10515600" cy="4713923"/>
+            <a:off x="838200" y="1392702"/>
+            <a:ext cx="10515600" cy="4784261"/>
           </a:xfrm>
         </p:spPr>
         <p:txBody>
           <a:bodyPr>
-            <a:normAutofit/>
+            <a:normAutofit fontScale="92500" lnSpcReduction="10000"/>
           </a:bodyPr>
           <a:lstStyle/>
           <a:p>
@@ -5736,46 +5628,39 @@
             </a:pPr>
             <a:r>
               <a:rPr lang="en-US" dirty="0"/>
-              <a:t>• Calling </a:t>
-            </a:r>
-            <a:r>
-              <a:rPr lang="en-US" b="1" dirty="0"/>
-              <a:t>split() </a:t>
-            </a:r>
-            <a:r>
-              <a:rPr lang="en-US" dirty="0"/>
-              <a:t>with nothing inside the parentheses will split on </a:t>
-            </a:r>
-            <a:r>
-              <a:rPr lang="en-US" u="sng" dirty="0"/>
-              <a:t>all </a:t>
-            </a:r>
-          </a:p>
-          <a:p>
-            <a:pPr marL="0" indent="0">
-              <a:buNone/>
-            </a:pPr>
-            <a:r>
-              <a:rPr lang="en-US" dirty="0"/>
-              <a:t>    whitespace</a:t>
-            </a:r>
-          </a:p>
-          <a:p>
-            <a:pPr marL="0" indent="0">
-              <a:buNone/>
-            </a:pPr>
-            <a:r>
-              <a:rPr lang="en-US" dirty="0"/>
-              <a:t>   –Even the “interior” whitespace </a:t>
-            </a:r>
-          </a:p>
-          <a:p>
-            <a:pPr marL="0" indent="0">
-              <a:buNone/>
-            </a:pPr>
-            <a:r>
-              <a:rPr lang="en-US" dirty="0"/>
-              <a:t>&gt;&gt;&gt; line = "hello world \n" </a:t>
+              <a:t>• Calling split()with a string in it, we can remove a specific character </a:t>
+            </a:r>
+          </a:p>
+          <a:p>
+            <a:pPr marL="0" indent="0">
+              <a:buNone/>
+            </a:pPr>
+            <a:r>
+              <a:rPr lang="en-US" dirty="0"/>
+              <a:t>    (or more than one)</a:t>
+            </a:r>
+          </a:p>
+          <a:p>
+            <a:pPr marL="0" indent="0">
+              <a:buNone/>
+            </a:pPr>
+            <a:endParaRPr lang="en-US" dirty="0"/>
+          </a:p>
+          <a:p>
+            <a:pPr marL="0" indent="0">
+              <a:buNone/>
+            </a:pPr>
+            <a:r>
+              <a:rPr lang="en-US" dirty="0"/>
+              <a:t>&gt;&gt;&gt; under = "</a:t>
+            </a:r>
+            <a:r>
+              <a:rPr lang="en-US" dirty="0" err="1"/>
+              <a:t>once_twice_thrice</a:t>
+            </a:r>
+            <a:r>
+              <a:rPr lang="en-US" dirty="0"/>
+              <a:t>”</a:t>
             </a:r>
           </a:p>
           <a:p>
@@ -5788,71 +5673,235 @@
             </a:r>
             <a:r>
               <a:rPr lang="en-US" dirty="0" err="1"/>
-              <a:t>line.split</a:t>
-            </a:r>
-            <a:r>
-              <a:rPr lang="en-US" dirty="0"/>
-              <a:t>() </a:t>
-            </a:r>
-          </a:p>
-          <a:p>
-            <a:pPr marL="0" indent="0">
-              <a:buNone/>
-            </a:pPr>
-            <a:r>
-              <a:rPr lang="en-US" dirty="0"/>
-              <a:t>       ['hello', 'world’] </a:t>
-            </a:r>
-          </a:p>
-          <a:p>
-            <a:pPr marL="0" indent="0">
-              <a:buNone/>
-            </a:pPr>
-            <a:r>
-              <a:rPr lang="en-US" dirty="0"/>
-              <a:t>&gt;&gt;&gt; love = "\t\</a:t>
+              <a:t>under.split</a:t>
+            </a:r>
+            <a:r>
+              <a:rPr lang="en-US" dirty="0"/>
+              <a:t>("_") </a:t>
+            </a:r>
+          </a:p>
+          <a:p>
+            <a:pPr marL="0" indent="0">
+              <a:buNone/>
+            </a:pPr>
+            <a:r>
+              <a:rPr lang="en-US" dirty="0"/>
+              <a:t>    ['once', 'twice', 'thrice’]</a:t>
+            </a:r>
+          </a:p>
+          <a:p>
+            <a:pPr marL="0" indent="0">
+              <a:buNone/>
+            </a:pPr>
+            <a:endParaRPr lang="en-US" dirty="0"/>
+          </a:p>
+          <a:p>
+            <a:pPr marL="0" indent="0">
+              <a:buNone/>
+            </a:pPr>
+            <a:r>
+              <a:rPr lang="en-US" dirty="0"/>
+              <a:t>&gt;&gt;&gt; double = "hello how ill are all of your llamas?" </a:t>
+            </a:r>
+          </a:p>
+          <a:p>
+            <a:pPr marL="0" indent="0">
+              <a:buNone/>
+            </a:pPr>
+            <a:r>
+              <a:rPr lang="en-US" dirty="0"/>
+              <a:t>&gt;&gt;&gt; </a:t>
             </a:r>
             <a:r>
               <a:rPr lang="en-US" dirty="0" err="1"/>
-              <a:t>nI</a:t>
-            </a:r>
-            <a:r>
-              <a:rPr lang="en-US" dirty="0"/>
-              <a:t> love\t\t\</a:t>
+              <a:t>double.split</a:t>
+            </a:r>
+            <a:r>
+              <a:rPr lang="en-US" dirty="0"/>
+              <a:t>("</a:t>
             </a:r>
             <a:r>
               <a:rPr lang="en-US" dirty="0" err="1"/>
-              <a:t>nwhitespace</a:t>
-            </a:r>
-            <a:r>
-              <a:rPr lang="en-US" dirty="0"/>
-              <a:t>\n  “</a:t>
-            </a:r>
-          </a:p>
-          <a:p>
-            <a:pPr marL="0" indent="0">
-              <a:buNone/>
-            </a:pPr>
-            <a:r>
-              <a:rPr lang="en-US" dirty="0"/>
-              <a:t>&gt;&gt;&gt; </a:t>
+              <a:t>ll</a:t>
+            </a:r>
+            <a:r>
+              <a:rPr lang="en-US" dirty="0"/>
+              <a:t>") </a:t>
+            </a:r>
+          </a:p>
+          <a:p>
+            <a:pPr marL="0" indent="0">
+              <a:buNone/>
+            </a:pPr>
+            <a:r>
+              <a:rPr lang="en-US" dirty="0"/>
+              <a:t>['he', 'o how </a:t>
             </a:r>
             <a:r>
               <a:rPr lang="en-US" dirty="0" err="1"/>
-              <a:t>love.split</a:t>
-            </a:r>
-            <a:r>
-              <a:rPr lang="en-US" dirty="0"/>
-              <a:t>() </a:t>
-            </a:r>
-          </a:p>
-          <a:p>
-            <a:pPr marL="0" indent="0">
-              <a:buNone/>
-            </a:pPr>
-            <a:r>
-              <a:rPr lang="en-US" dirty="0"/>
-              <a:t>['I', 'love', 'whitespace']</a:t>
+              <a:t>i</a:t>
+            </a:r>
+            <a:r>
+              <a:rPr lang="en-US" dirty="0"/>
+              <a:t>', ' are a', ' of your ', '</a:t>
+            </a:r>
+            <a:r>
+              <a:rPr lang="en-US" dirty="0" err="1"/>
+              <a:t>amas</a:t>
+            </a:r>
+            <a:r>
+              <a:rPr lang="en-US" dirty="0"/>
+              <a:t>?']</a:t>
+            </a:r>
+          </a:p>
+        </p:txBody>
+      </p:sp>
+      <p:sp>
+        <p:nvSpPr>
+          <p:cNvPr id="4" name="TextBox 3">
+            <a:extLst>
+              <a:ext uri="{FF2B5EF4-FFF2-40B4-BE49-F238E27FC236}">
+                <a16:creationId xmlns:a16="http://schemas.microsoft.com/office/drawing/2014/main" id="{7A0D480E-D153-4164-92FA-8DB5CEDF53AD}"/>
+              </a:ext>
+            </a:extLst>
+          </p:cNvPr>
+          <p:cNvSpPr txBox="1"/>
+          <p:nvPr/>
+        </p:nvSpPr>
+        <p:spPr>
+          <a:xfrm>
+            <a:off x="5852160" y="2087622"/>
+            <a:ext cx="5008098" cy="707886"/>
+          </a:xfrm>
+          <a:prstGeom prst="rect">
+            <a:avLst/>
+          </a:prstGeom>
+          <a:noFill/>
+          <a:ln w="28575">
+            <a:solidFill>
+              <a:schemeClr val="tx1"/>
+            </a:solidFill>
+          </a:ln>
+        </p:spPr>
+        <p:txBody>
+          <a:bodyPr wrap="square" rtlCol="0">
+            <a:spAutoFit/>
+          </a:bodyPr>
+          <a:lstStyle/>
+          <a:p>
+            <a:r>
+              <a:rPr lang="en-US" sz="2000" b="1" dirty="0"/>
+              <a:t>These character(s) that we want to remove are called the delimiter </a:t>
+            </a:r>
+          </a:p>
+        </p:txBody>
+      </p:sp>
+      <p:sp>
+        <p:nvSpPr>
+          <p:cNvPr id="5" name="TextBox 4">
+            <a:extLst>
+              <a:ext uri="{FF2B5EF4-FFF2-40B4-BE49-F238E27FC236}">
+                <a16:creationId xmlns:a16="http://schemas.microsoft.com/office/drawing/2014/main" id="{8B3F5CE7-0572-4AD1-869D-5F247256AE36}"/>
+              </a:ext>
+            </a:extLst>
+          </p:cNvPr>
+          <p:cNvSpPr txBox="1"/>
+          <p:nvPr/>
+        </p:nvSpPr>
+        <p:spPr>
+          <a:xfrm>
+            <a:off x="7751298" y="3331646"/>
+            <a:ext cx="4248443" cy="2246769"/>
+          </a:xfrm>
+          <a:prstGeom prst="rect">
+            <a:avLst/>
+          </a:prstGeom>
+          <a:noFill/>
+          <a:ln w="28575">
+            <a:solidFill>
+              <a:schemeClr val="tx1"/>
+            </a:solidFill>
+          </a:ln>
+        </p:spPr>
+        <p:txBody>
+          <a:bodyPr wrap="square" rtlCol="0">
+            <a:spAutoFit/>
+          </a:bodyPr>
+          <a:lstStyle/>
+          <a:p>
+            <a:r>
+              <a:rPr lang="en-US" sz="2000" b="1" dirty="0"/>
+              <a:t>A delimiter is one or more </a:t>
+            </a:r>
+            <a:r>
+              <a:rPr lang="en-US" sz="2000" b="1" dirty="0">
+                <a:hlinkClick r:id="rId2"/>
+              </a:rPr>
+              <a:t>characters</a:t>
+            </a:r>
+            <a:r>
+              <a:rPr lang="en-US" sz="2000" b="1" dirty="0"/>
+              <a:t> that separate text strings. Common delimiters are </a:t>
+            </a:r>
+            <a:r>
+              <a:rPr lang="en-US" sz="2000" b="1" dirty="0">
+                <a:hlinkClick r:id="rId3"/>
+              </a:rPr>
+              <a:t>commas</a:t>
+            </a:r>
+            <a:r>
+              <a:rPr lang="en-US" sz="2000" b="1" dirty="0"/>
+              <a:t> (,), </a:t>
+            </a:r>
+            <a:r>
+              <a:rPr lang="en-US" sz="2000" b="1" dirty="0">
+                <a:hlinkClick r:id="rId4"/>
+              </a:rPr>
+              <a:t>semicolon</a:t>
+            </a:r>
+            <a:r>
+              <a:rPr lang="en-US" sz="2000" b="1" dirty="0"/>
+              <a:t> (;), </a:t>
+            </a:r>
+            <a:r>
+              <a:rPr lang="en-US" sz="2000" b="1" dirty="0">
+                <a:hlinkClick r:id="rId5"/>
+              </a:rPr>
+              <a:t>quotes</a:t>
+            </a:r>
+            <a:r>
+              <a:rPr lang="en-US" sz="2000" b="1" dirty="0"/>
+              <a:t> ( ", ' ), </a:t>
+            </a:r>
+            <a:r>
+              <a:rPr lang="en-US" sz="2000" b="1" dirty="0">
+                <a:hlinkClick r:id="rId6"/>
+              </a:rPr>
+              <a:t>braces</a:t>
+            </a:r>
+            <a:r>
+              <a:rPr lang="en-US" sz="2000" b="1" dirty="0"/>
+              <a:t> ({}), </a:t>
+            </a:r>
+            <a:r>
+              <a:rPr lang="en-US" sz="2000" b="1" dirty="0">
+                <a:hlinkClick r:id="rId7"/>
+              </a:rPr>
+              <a:t>pipes</a:t>
+            </a:r>
+            <a:r>
+              <a:rPr lang="en-US" sz="2000" b="1" dirty="0"/>
+              <a:t> (|), or </a:t>
+            </a:r>
+            <a:r>
+              <a:rPr lang="en-US" sz="2000" b="1" dirty="0">
+                <a:hlinkClick r:id="rId8"/>
+              </a:rPr>
+              <a:t>slashes</a:t>
+            </a:r>
+            <a:r>
+              <a:rPr lang="en-US" sz="2000" b="1" dirty="0"/>
+              <a:t> ( / \ ).</a:t>
             </a:r>
           </a:p>
         </p:txBody>
@@ -5860,7 +5909,7 @@
     </p:spTree>
     <p:extLst>
       <p:ext uri="{BB962C8B-B14F-4D97-AF65-F5344CB8AC3E}">
-        <p14:creationId xmlns:p14="http://schemas.microsoft.com/office/powerpoint/2010/main" val="2212899519"/>
+        <p14:creationId xmlns:p14="http://schemas.microsoft.com/office/powerpoint/2010/main" val="2862257513"/>
       </p:ext>
     </p:extLst>
   </p:cSld>
@@ -5892,7 +5941,7 @@
           <p:cNvPr id="2" name="Title 1">
             <a:extLst>
               <a:ext uri="{FF2B5EF4-FFF2-40B4-BE49-F238E27FC236}">
-                <a16:creationId xmlns:a16="http://schemas.microsoft.com/office/drawing/2014/main" id="{D35FEBE7-CCBE-444B-B656-9D22E9579A3A}"/>
+                <a16:creationId xmlns:a16="http://schemas.microsoft.com/office/drawing/2014/main" id="{962CACA7-232C-45E5-B928-FE53898ACB06}"/>
               </a:ext>
             </a:extLst>
           </p:cNvPr>
@@ -5903,19 +5952,14 @@
             <p:ph type="title"/>
           </p:nvPr>
         </p:nvSpPr>
-        <p:spPr>
-          <a:xfrm>
-            <a:off x="838200" y="67139"/>
-            <a:ext cx="10515600" cy="1325563"/>
-          </a:xfrm>
-        </p:spPr>
+        <p:spPr/>
         <p:txBody>
           <a:bodyPr/>
           <a:lstStyle/>
           <a:p>
             <a:r>
               <a:rPr lang="en-US" b="1" dirty="0"/>
-              <a:t>Splitting by Specific Character </a:t>
+              <a:t>Practice: Splitting </a:t>
             </a:r>
           </a:p>
         </p:txBody>
@@ -5925,7 +5969,7 @@
           <p:cNvPr id="3" name="Content Placeholder 2">
             <a:extLst>
               <a:ext uri="{FF2B5EF4-FFF2-40B4-BE49-F238E27FC236}">
-                <a16:creationId xmlns:a16="http://schemas.microsoft.com/office/drawing/2014/main" id="{14A5CE00-286A-4615-BE24-41A79019CD32}"/>
+                <a16:creationId xmlns:a16="http://schemas.microsoft.com/office/drawing/2014/main" id="{1764DBA0-3A78-4676-AFFA-335F84DE60E0}"/>
               </a:ext>
             </a:extLst>
           </p:cNvPr>
@@ -5936,33 +5980,17 @@
             <p:ph idx="1"/>
           </p:nvPr>
         </p:nvSpPr>
-        <p:spPr>
-          <a:xfrm>
-            <a:off x="838200" y="1392702"/>
-            <a:ext cx="10515600" cy="4784261"/>
-          </a:xfrm>
-        </p:spPr>
-        <p:txBody>
-          <a:bodyPr>
-            <a:normAutofit fontScale="92500" lnSpcReduction="10000"/>
-          </a:bodyPr>
-          <a:lstStyle/>
-          <a:p>
-            <a:pPr marL="0" indent="0">
-              <a:buNone/>
-            </a:pPr>
-            <a:r>
-              <a:rPr lang="en-US" dirty="0"/>
-              <a:t>• Calling split()with a string in it, we can remove a specific character </a:t>
-            </a:r>
-          </a:p>
-          <a:p>
-            <a:pPr marL="0" indent="0">
-              <a:buNone/>
-            </a:pPr>
-            <a:r>
-              <a:rPr lang="en-US" dirty="0"/>
-              <a:t>    (or more than one)</a:t>
+        <p:spPr/>
+        <p:txBody>
+          <a:bodyPr/>
+          <a:lstStyle/>
+          <a:p>
+            <a:pPr marL="0" indent="0">
+              <a:buNone/>
+            </a:pPr>
+            <a:r>
+              <a:rPr lang="en-US" dirty="0"/>
+              <a:t>• Use split()to solve the following problems </a:t>
             </a:r>
           </a:p>
           <a:p>
@@ -5977,41 +6005,72 @@
             </a:pPr>
             <a:r>
               <a:rPr lang="en-US" dirty="0"/>
-              <a:t>&gt;&gt;&gt; under = "</a:t>
+              <a:t>• Split this string on its whitespace: </a:t>
+            </a:r>
+          </a:p>
+          <a:p>
+            <a:pPr marL="0" indent="0">
+              <a:buNone/>
+            </a:pPr>
+            <a:r>
+              <a:rPr lang="en-US" dirty="0"/>
+              <a:t>     daft = "</a:t>
+            </a:r>
+            <a:r>
+              <a:rPr lang="en-US" dirty="0">
+                <a:solidFill>
+                  <a:srgbClr val="00B050"/>
+                </a:solidFill>
+              </a:rPr>
+              <a:t>around \t the \n world</a:t>
+            </a:r>
+            <a:r>
+              <a:rPr lang="en-US" dirty="0"/>
+              <a:t>”</a:t>
+            </a:r>
+          </a:p>
+          <a:p>
+            <a:pPr marL="0" indent="0">
+              <a:buNone/>
+            </a:pPr>
+            <a:endParaRPr lang="en-US" dirty="0"/>
+          </a:p>
+          <a:p>
+            <a:pPr marL="0" indent="0">
+              <a:buNone/>
+            </a:pPr>
+            <a:r>
+              <a:rPr lang="en-US" dirty="0"/>
+              <a:t>• Split this string on the double t’s (</a:t>
             </a:r>
             <a:r>
               <a:rPr lang="en-US" dirty="0" err="1"/>
-              <a:t>once_twice_thrice</a:t>
-            </a:r>
-            <a:r>
-              <a:rPr lang="en-US" dirty="0"/>
-              <a:t>”</a:t>
-            </a:r>
-          </a:p>
-          <a:p>
-            <a:pPr marL="0" indent="0">
-              <a:buNone/>
-            </a:pPr>
-            <a:r>
-              <a:rPr lang="en-US" dirty="0"/>
-              <a:t>&gt;&gt;&gt; </a:t>
-            </a:r>
-            <a:r>
-              <a:rPr lang="en-US" dirty="0" err="1"/>
-              <a:t>under.split</a:t>
-            </a:r>
-            <a:r>
-              <a:rPr lang="en-US" dirty="0"/>
-              <a:t>("_") </a:t>
-            </a:r>
-          </a:p>
-          <a:p>
-            <a:pPr marL="0" indent="0">
-              <a:buNone/>
-            </a:pPr>
-            <a:r>
-              <a:rPr lang="en-US" dirty="0"/>
-              <a:t>    ['once', 'twice', 'thrice’]</a:t>
+              <a:t>tt</a:t>
+            </a:r>
+            <a:r>
+              <a:rPr lang="en-US" dirty="0"/>
+              <a:t>): </a:t>
+            </a:r>
+          </a:p>
+          <a:p>
+            <a:pPr marL="0" indent="0">
+              <a:buNone/>
+            </a:pPr>
+            <a:r>
+              <a:rPr lang="en-US" dirty="0"/>
+              <a:t>     adorable = "</a:t>
+            </a:r>
+            <a:r>
+              <a:rPr lang="en-US" dirty="0">
+                <a:solidFill>
+                  <a:srgbClr val="00B050"/>
+                </a:solidFill>
+              </a:rPr>
+              <a:t>nutty otters making lattes</a:t>
+            </a:r>
+            <a:r>
+              <a:rPr lang="en-US" dirty="0"/>
+              <a:t>"</a:t>
             </a:r>
           </a:p>
           <a:p>
@@ -6019,222 +6078,13 @@
               <a:buNone/>
             </a:pPr>
             <a:endParaRPr lang="en-US" dirty="0"/>
-          </a:p>
-          <a:p>
-            <a:pPr marL="0" indent="0">
-              <a:buNone/>
-            </a:pPr>
-            <a:r>
-              <a:rPr lang="en-US" dirty="0"/>
-              <a:t>&gt;&gt;&gt; double = "hello how ill are all of your llamas?" </a:t>
-            </a:r>
-          </a:p>
-          <a:p>
-            <a:pPr marL="0" indent="0">
-              <a:buNone/>
-            </a:pPr>
-            <a:r>
-              <a:rPr lang="en-US" dirty="0"/>
-              <a:t>&gt;&gt;&gt; </a:t>
-            </a:r>
-            <a:r>
-              <a:rPr lang="en-US" dirty="0" err="1"/>
-              <a:t>double.split</a:t>
-            </a:r>
-            <a:r>
-              <a:rPr lang="en-US" dirty="0"/>
-              <a:t>("</a:t>
-            </a:r>
-            <a:r>
-              <a:rPr lang="en-US" dirty="0" err="1"/>
-              <a:t>ll</a:t>
-            </a:r>
-            <a:r>
-              <a:rPr lang="en-US" dirty="0"/>
-              <a:t>") </a:t>
-            </a:r>
-          </a:p>
-          <a:p>
-            <a:pPr marL="0" indent="0">
-              <a:buNone/>
-            </a:pPr>
-            <a:r>
-              <a:rPr lang="en-US" dirty="0"/>
-              <a:t>['he', 'o how </a:t>
-            </a:r>
-            <a:r>
-              <a:rPr lang="en-US" dirty="0" err="1"/>
-              <a:t>i</a:t>
-            </a:r>
-            <a:r>
-              <a:rPr lang="en-US" dirty="0"/>
-              <a:t>', ' are a', ' of your ', '</a:t>
-            </a:r>
-            <a:r>
-              <a:rPr lang="en-US" dirty="0" err="1"/>
-              <a:t>amas</a:t>
-            </a:r>
-            <a:r>
-              <a:rPr lang="en-US" dirty="0"/>
-              <a:t>?']</a:t>
-            </a:r>
-          </a:p>
-        </p:txBody>
-      </p:sp>
-      <p:sp>
-        <p:nvSpPr>
-          <p:cNvPr id="4" name="TextBox 3">
-            <a:extLst>
-              <a:ext uri="{FF2B5EF4-FFF2-40B4-BE49-F238E27FC236}">
-                <a16:creationId xmlns:a16="http://schemas.microsoft.com/office/drawing/2014/main" id="{7A0D480E-D153-4164-92FA-8DB5CEDF53AD}"/>
-              </a:ext>
-            </a:extLst>
-          </p:cNvPr>
-          <p:cNvSpPr txBox="1"/>
-          <p:nvPr/>
-        </p:nvSpPr>
-        <p:spPr>
-          <a:xfrm>
-            <a:off x="5852160" y="2087622"/>
-            <a:ext cx="5008098" cy="707886"/>
-          </a:xfrm>
-          <a:prstGeom prst="rect">
-            <a:avLst/>
-          </a:prstGeom>
-          <a:noFill/>
-          <a:ln w="28575">
-            <a:solidFill>
-              <a:schemeClr val="tx1"/>
-            </a:solidFill>
-          </a:ln>
-        </p:spPr>
-        <p:txBody>
-          <a:bodyPr wrap="square" rtlCol="0">
-            <a:spAutoFit/>
-          </a:bodyPr>
-          <a:lstStyle/>
-          <a:p>
-            <a:r>
-              <a:rPr lang="en-US" sz="2000" b="1" dirty="0"/>
-              <a:t>These character(s) that we want to remove are called the delimiter </a:t>
-            </a:r>
-          </a:p>
-        </p:txBody>
-      </p:sp>
-      <p:sp>
-        <p:nvSpPr>
-          <p:cNvPr id="5" name="TextBox 4">
-            <a:extLst>
-              <a:ext uri="{FF2B5EF4-FFF2-40B4-BE49-F238E27FC236}">
-                <a16:creationId xmlns:a16="http://schemas.microsoft.com/office/drawing/2014/main" id="{8B3F5CE7-0572-4AD1-869D-5F247256AE36}"/>
-              </a:ext>
-            </a:extLst>
-          </p:cNvPr>
-          <p:cNvSpPr txBox="1"/>
-          <p:nvPr/>
-        </p:nvSpPr>
-        <p:spPr>
-          <a:xfrm>
-            <a:off x="7751298" y="3331646"/>
-            <a:ext cx="4248443" cy="2246769"/>
-          </a:xfrm>
-          <a:prstGeom prst="rect">
-            <a:avLst/>
-          </a:prstGeom>
-          <a:noFill/>
-          <a:ln w="28575">
-            <a:solidFill>
-              <a:schemeClr val="tx1"/>
-            </a:solidFill>
-          </a:ln>
-        </p:spPr>
-        <p:txBody>
-          <a:bodyPr wrap="square" rtlCol="0">
-            <a:spAutoFit/>
-          </a:bodyPr>
-          <a:lstStyle/>
-          <a:p>
-            <a:r>
-              <a:rPr lang="en-US" sz="2000" b="1" dirty="0"/>
-              <a:t>A delimiter is one or more </a:t>
-            </a:r>
-            <a:r>
-              <a:rPr lang="en-US" sz="2000" b="1" dirty="0">
-                <a:hlinkClick r:id="rId2"/>
-              </a:rPr>
-              <a:t>characters</a:t>
-            </a:r>
-            <a:r>
-              <a:rPr lang="en-US" sz="2000" b="1" dirty="0"/>
-              <a:t> that separate text strings. Common delimiters are </a:t>
-            </a:r>
-            <a:r>
-              <a:rPr lang="en-US" sz="2000" b="1" dirty="0">
-                <a:hlinkClick r:id="rId3"/>
-              </a:rPr>
-              <a:t>commas</a:t>
-            </a:r>
-            <a:r>
-              <a:rPr lang="en-US" sz="2000" b="1" dirty="0"/>
-              <a:t> (,), </a:t>
-            </a:r>
-            <a:r>
-              <a:rPr lang="en-US" sz="2000" b="1" dirty="0">
-                <a:hlinkClick r:id="rId4"/>
-              </a:rPr>
-              <a:t>semicolon</a:t>
-            </a:r>
-            <a:r>
-              <a:rPr lang="en-US" sz="2000" b="1" dirty="0"/>
-              <a:t> (;), </a:t>
-            </a:r>
-            <a:r>
-              <a:rPr lang="en-US" sz="2000" b="1" dirty="0">
-                <a:hlinkClick r:id="rId5"/>
-              </a:rPr>
-              <a:t>quotes</a:t>
-            </a:r>
-            <a:r>
-              <a:rPr lang="en-US" sz="2000" b="1" dirty="0"/>
-              <a:t> ( ", ' ), </a:t>
-            </a:r>
-            <a:r>
-              <a:rPr lang="en-US" sz="2000" b="1" dirty="0">
-                <a:hlinkClick r:id="rId6"/>
-              </a:rPr>
-              <a:t>braces</a:t>
-            </a:r>
-            <a:r>
-              <a:rPr lang="en-US" sz="2000" b="1" dirty="0"/>
-              <a:t> ({}), </a:t>
-            </a:r>
-            <a:r>
-              <a:rPr lang="en-US" sz="2000" b="1" dirty="0">
-                <a:hlinkClick r:id="rId7"/>
-              </a:rPr>
-              <a:t>pipes</a:t>
-            </a:r>
-            <a:r>
-              <a:rPr lang="en-US" sz="2000" b="1" dirty="0"/>
-              <a:t> (|), or </a:t>
-            </a:r>
-            <a:r>
-              <a:rPr lang="en-US" sz="2000" b="1" dirty="0">
-                <a:hlinkClick r:id="rId8"/>
-              </a:rPr>
-              <a:t>slashes</a:t>
-            </a:r>
-            <a:r>
-              <a:rPr lang="en-US" sz="2000" b="1" dirty="0"/>
-              <a:t> ( / \ ).</a:t>
-            </a:r>
           </a:p>
         </p:txBody>
       </p:sp>
     </p:spTree>
     <p:extLst>
       <p:ext uri="{BB962C8B-B14F-4D97-AF65-F5344CB8AC3E}">
-        <p14:creationId xmlns:p14="http://schemas.microsoft.com/office/powerpoint/2010/main" val="2862257513"/>
+        <p14:creationId xmlns:p14="http://schemas.microsoft.com/office/powerpoint/2010/main" val="3263486043"/>
       </p:ext>
     </p:extLst>
   </p:cSld>
@@ -6266,7 +6116,7 @@
           <p:cNvPr id="2" name="Title 1">
             <a:extLst>
               <a:ext uri="{FF2B5EF4-FFF2-40B4-BE49-F238E27FC236}">
-                <a16:creationId xmlns:a16="http://schemas.microsoft.com/office/drawing/2014/main" id="{962CACA7-232C-45E5-B928-FE53898ACB06}"/>
+                <a16:creationId xmlns:a16="http://schemas.microsoft.com/office/drawing/2014/main" id="{34BA9865-2FF4-4117-BA08-3B7FAA5DE73C}"/>
               </a:ext>
             </a:extLst>
           </p:cNvPr>
@@ -6277,7 +6127,12 @@
             <p:ph type="title"/>
           </p:nvPr>
         </p:nvSpPr>
-        <p:spPr/>
+        <p:spPr>
+          <a:xfrm>
+            <a:off x="838200" y="365125"/>
+            <a:ext cx="10515600" cy="1325563"/>
+          </a:xfrm>
+        </p:spPr>
         <p:txBody>
           <a:bodyPr/>
           <a:lstStyle/>
@@ -6286,6 +6141,7 @@
               <a:rPr lang="en-US" b="1" dirty="0"/>
               <a:t>Practice: Splitting </a:t>
             </a:r>
+            <a:endParaRPr lang="en-US" dirty="0"/>
           </a:p>
         </p:txBody>
       </p:sp>
@@ -6294,7 +6150,7 @@
           <p:cNvPr id="3" name="Content Placeholder 2">
             <a:extLst>
               <a:ext uri="{FF2B5EF4-FFF2-40B4-BE49-F238E27FC236}">
-                <a16:creationId xmlns:a16="http://schemas.microsoft.com/office/drawing/2014/main" id="{1764DBA0-3A78-4676-AFFA-335F84DE60E0}"/>
+                <a16:creationId xmlns:a16="http://schemas.microsoft.com/office/drawing/2014/main" id="{99E6117A-1C1B-43AE-BBAA-B8F8892F4A29}"/>
               </a:ext>
             </a:extLst>
           </p:cNvPr>
@@ -6309,21 +6165,6 @@
         <p:txBody>
           <a:bodyPr/>
           <a:lstStyle/>
-          <a:p>
-            <a:pPr marL="0" indent="0">
-              <a:buNone/>
-            </a:pPr>
-            <a:r>
-              <a:rPr lang="en-US" dirty="0"/>
-              <a:t>• Use split()to solve the following problems </a:t>
-            </a:r>
-          </a:p>
-          <a:p>
-            <a:pPr marL="0" indent="0">
-              <a:buNone/>
-            </a:pPr>
-            <a:endParaRPr lang="en-US" dirty="0"/>
-          </a:p>
           <a:p>
             <a:pPr marL="0" indent="0">
               <a:buNone/>
@@ -6347,11 +6188,36 @@
                   <a:srgbClr val="00B050"/>
                 </a:solidFill>
               </a:rPr>
-              <a:t>around \t the \n world</a:t>
+              <a:t>around \t the \</a:t>
+            </a:r>
+            <a:r>
+              <a:rPr lang="en-US" dirty="0" err="1">
+                <a:solidFill>
+                  <a:srgbClr val="00B050"/>
+                </a:solidFill>
+              </a:rPr>
+              <a:t>nworld</a:t>
             </a:r>
             <a:r>
               <a:rPr lang="en-US" dirty="0"/>
               <a:t>”</a:t>
+            </a:r>
+          </a:p>
+          <a:p>
+            <a:pPr marL="0" indent="0">
+              <a:buNone/>
+            </a:pPr>
+            <a:r>
+              <a:rPr lang="en-US" dirty="0"/>
+              <a:t>     </a:t>
+            </a:r>
+            <a:r>
+              <a:rPr lang="en-US" dirty="0" err="1"/>
+              <a:t>daft.split</a:t>
+            </a:r>
+            <a:r>
+              <a:rPr lang="en-US" dirty="0"/>
+              <a:t>() </a:t>
             </a:r>
           </a:p>
           <a:p>
@@ -6395,8 +6261,39 @@
             </a:r>
             <a:r>
               <a:rPr lang="en-US" dirty="0"/>
-              <a:t>"</a:t>
-            </a:r>
+              <a:t>“</a:t>
+            </a:r>
+          </a:p>
+          <a:p>
+            <a:pPr marL="0" indent="0">
+              <a:buNone/>
+            </a:pPr>
+            <a:r>
+              <a:rPr lang="en-US" dirty="0"/>
+              <a:t>     </a:t>
+            </a:r>
+            <a:r>
+              <a:rPr lang="en-US" dirty="0" err="1"/>
+              <a:t>adorable.split</a:t>
+            </a:r>
+            <a:r>
+              <a:rPr lang="en-US" dirty="0"/>
+              <a:t>("</a:t>
+            </a:r>
+            <a:r>
+              <a:rPr lang="en-US" dirty="0" err="1"/>
+              <a:t>tt</a:t>
+            </a:r>
+            <a:r>
+              <a:rPr lang="en-US" dirty="0"/>
+              <a:t>")</a:t>
+            </a:r>
+          </a:p>
+          <a:p>
+            <a:pPr marL="0" indent="0">
+              <a:buNone/>
+            </a:pPr>
+            <a:endParaRPr lang="en-US" dirty="0"/>
           </a:p>
           <a:p>
             <a:pPr marL="0" indent="0">
@@ -6409,7 +6306,7 @@
     </p:spTree>
     <p:extLst>
       <p:ext uri="{BB962C8B-B14F-4D97-AF65-F5344CB8AC3E}">
-        <p14:creationId xmlns:p14="http://schemas.microsoft.com/office/powerpoint/2010/main" val="3263486043"/>
+        <p14:creationId xmlns:p14="http://schemas.microsoft.com/office/powerpoint/2010/main" val="2533443637"/>
       </p:ext>
     </p:extLst>
   </p:cSld>
@@ -6441,228 +6338,6 @@
           <p:cNvPr id="2" name="Title 1">
             <a:extLst>
               <a:ext uri="{FF2B5EF4-FFF2-40B4-BE49-F238E27FC236}">
-                <a16:creationId xmlns:a16="http://schemas.microsoft.com/office/drawing/2014/main" id="{34BA9865-2FF4-4117-BA08-3B7FAA5DE73C}"/>
-              </a:ext>
-            </a:extLst>
-          </p:cNvPr>
-          <p:cNvSpPr>
-            <a:spLocks noGrp="1"/>
-          </p:cNvSpPr>
-          <p:nvPr>
-            <p:ph type="title"/>
-          </p:nvPr>
-        </p:nvSpPr>
-        <p:spPr>
-          <a:xfrm>
-            <a:off x="838200" y="365125"/>
-            <a:ext cx="10515600" cy="1325563"/>
-          </a:xfrm>
-        </p:spPr>
-        <p:txBody>
-          <a:bodyPr/>
-          <a:lstStyle/>
-          <a:p>
-            <a:r>
-              <a:rPr lang="en-US" b="1" dirty="0"/>
-              <a:t>Practice: Splitting </a:t>
-            </a:r>
-            <a:endParaRPr lang="en-US" dirty="0"/>
-          </a:p>
-        </p:txBody>
-      </p:sp>
-      <p:sp>
-        <p:nvSpPr>
-          <p:cNvPr id="3" name="Content Placeholder 2">
-            <a:extLst>
-              <a:ext uri="{FF2B5EF4-FFF2-40B4-BE49-F238E27FC236}">
-                <a16:creationId xmlns:a16="http://schemas.microsoft.com/office/drawing/2014/main" id="{99E6117A-1C1B-43AE-BBAA-B8F8892F4A29}"/>
-              </a:ext>
-            </a:extLst>
-          </p:cNvPr>
-          <p:cNvSpPr>
-            <a:spLocks noGrp="1"/>
-          </p:cNvSpPr>
-          <p:nvPr>
-            <p:ph idx="1"/>
-          </p:nvPr>
-        </p:nvSpPr>
-        <p:spPr/>
-        <p:txBody>
-          <a:bodyPr/>
-          <a:lstStyle/>
-          <a:p>
-            <a:pPr marL="0" indent="0">
-              <a:buNone/>
-            </a:pPr>
-            <a:r>
-              <a:rPr lang="en-US" dirty="0"/>
-              <a:t>• Split this string on its whitespace: </a:t>
-            </a:r>
-          </a:p>
-          <a:p>
-            <a:pPr marL="0" indent="0">
-              <a:buNone/>
-            </a:pPr>
-            <a:r>
-              <a:rPr lang="en-US" dirty="0"/>
-              <a:t>     daft = "</a:t>
-            </a:r>
-            <a:r>
-              <a:rPr lang="en-US" dirty="0">
-                <a:solidFill>
-                  <a:srgbClr val="00B050"/>
-                </a:solidFill>
-              </a:rPr>
-              <a:t>around \t the \</a:t>
-            </a:r>
-            <a:r>
-              <a:rPr lang="en-US" dirty="0" err="1">
-                <a:solidFill>
-                  <a:srgbClr val="00B050"/>
-                </a:solidFill>
-              </a:rPr>
-              <a:t>nworld</a:t>
-            </a:r>
-            <a:r>
-              <a:rPr lang="en-US" dirty="0"/>
-              <a:t>”</a:t>
-            </a:r>
-          </a:p>
-          <a:p>
-            <a:pPr marL="0" indent="0">
-              <a:buNone/>
-            </a:pPr>
-            <a:r>
-              <a:rPr lang="en-US" dirty="0"/>
-              <a:t>     </a:t>
-            </a:r>
-            <a:r>
-              <a:rPr lang="en-US" dirty="0" err="1"/>
-              <a:t>daft.split</a:t>
-            </a:r>
-            <a:r>
-              <a:rPr lang="en-US" dirty="0"/>
-              <a:t>() </a:t>
-            </a:r>
-          </a:p>
-          <a:p>
-            <a:pPr marL="0" indent="0">
-              <a:buNone/>
-            </a:pPr>
-            <a:endParaRPr lang="en-US" dirty="0"/>
-          </a:p>
-          <a:p>
-            <a:pPr marL="0" indent="0">
-              <a:buNone/>
-            </a:pPr>
-            <a:r>
-              <a:rPr lang="en-US" dirty="0"/>
-              <a:t>• Split this string on the double t’s (</a:t>
-            </a:r>
-            <a:r>
-              <a:rPr lang="en-US" dirty="0" err="1"/>
-              <a:t>tt</a:t>
-            </a:r>
-            <a:r>
-              <a:rPr lang="en-US" dirty="0"/>
-              <a:t>): </a:t>
-            </a:r>
-          </a:p>
-          <a:p>
-            <a:pPr marL="0" indent="0">
-              <a:buNone/>
-            </a:pPr>
-            <a:r>
-              <a:rPr lang="en-US" dirty="0"/>
-              <a:t>     adorable = "</a:t>
-            </a:r>
-            <a:r>
-              <a:rPr lang="en-US" dirty="0">
-                <a:solidFill>
-                  <a:srgbClr val="00B050"/>
-                </a:solidFill>
-              </a:rPr>
-              <a:t>nutty otters making lattes</a:t>
-            </a:r>
-            <a:r>
-              <a:rPr lang="en-US" dirty="0"/>
-              <a:t>“</a:t>
-            </a:r>
-          </a:p>
-          <a:p>
-            <a:pPr marL="0" indent="0">
-              <a:buNone/>
-            </a:pPr>
-            <a:r>
-              <a:rPr lang="en-US" dirty="0"/>
-              <a:t>     </a:t>
-            </a:r>
-            <a:r>
-              <a:rPr lang="en-US" dirty="0" err="1"/>
-              <a:t>adorable.split</a:t>
-            </a:r>
-            <a:r>
-              <a:rPr lang="en-US" dirty="0"/>
-              <a:t>("</a:t>
-            </a:r>
-            <a:r>
-              <a:rPr lang="en-US" dirty="0" err="1"/>
-              <a:t>tt</a:t>
-            </a:r>
-            <a:r>
-              <a:rPr lang="en-US" dirty="0"/>
-              <a:t>")</a:t>
-            </a:r>
-          </a:p>
-          <a:p>
-            <a:pPr marL="0" indent="0">
-              <a:buNone/>
-            </a:pPr>
-            <a:endParaRPr lang="en-US" dirty="0"/>
-          </a:p>
-          <a:p>
-            <a:pPr marL="0" indent="0">
-              <a:buNone/>
-            </a:pPr>
-            <a:endParaRPr lang="en-US" dirty="0"/>
-          </a:p>
-        </p:txBody>
-      </p:sp>
-    </p:spTree>
-    <p:extLst>
-      <p:ext uri="{BB962C8B-B14F-4D97-AF65-F5344CB8AC3E}">
-        <p14:creationId xmlns:p14="http://schemas.microsoft.com/office/powerpoint/2010/main" val="2533443637"/>
-      </p:ext>
-    </p:extLst>
-  </p:cSld>
-  <p:clrMapOvr>
-    <a:masterClrMapping/>
-  </p:clrMapOvr>
-</p:sld>
-</file>
-
-<file path=ppt/slides/slide26.xml><?xml version="1.0" encoding="utf-8"?>
-<p:sld xmlns:a="http://schemas.openxmlformats.org/drawingml/2006/main" xmlns:r="http://schemas.openxmlformats.org/officeDocument/2006/relationships" xmlns:p="http://schemas.openxmlformats.org/presentationml/2006/main">
-  <p:cSld>
-    <p:spTree>
-      <p:nvGrpSpPr>
-        <p:cNvPr id="1" name=""/>
-        <p:cNvGrpSpPr/>
-        <p:nvPr/>
-      </p:nvGrpSpPr>
-      <p:grpSpPr>
-        <a:xfrm>
-          <a:off x="0" y="0"/>
-          <a:ext cx="0" cy="0"/>
-          <a:chOff x="0" y="0"/>
-          <a:chExt cx="0" cy="0"/>
-        </a:xfrm>
-      </p:grpSpPr>
-      <p:sp>
-        <p:nvSpPr>
-          <p:cNvPr id="2" name="Title 1">
-            <a:extLst>
-              <a:ext uri="{FF2B5EF4-FFF2-40B4-BE49-F238E27FC236}">
                 <a16:creationId xmlns:a16="http://schemas.microsoft.com/office/drawing/2014/main" id="{5C231F67-439D-4137-BB82-1A59A108AB97}"/>
               </a:ext>
             </a:extLst>
@@ -6705,7 +6380,7 @@
         <p:spPr/>
         <p:txBody>
           <a:bodyPr>
-            <a:normAutofit lnSpcReduction="10000"/>
+            <a:normAutofit/>
           </a:bodyPr>
           <a:lstStyle/>
           <a:p>
@@ -6749,87 +6424,7 @@
             </a:pPr>
             <a:r>
               <a:rPr lang="en-US" dirty="0"/>
-              <a:t>      words = </a:t>
-            </a:r>
-            <a:r>
-              <a:rPr lang="en-US" dirty="0" err="1"/>
-              <a:t>sentence.split</a:t>
-            </a:r>
-            <a:r>
-              <a:rPr lang="en-US" dirty="0"/>
-              <a:t>()</a:t>
-            </a:r>
-          </a:p>
-          <a:p>
-            <a:pPr marL="0" indent="0">
-              <a:buNone/>
-            </a:pPr>
-            <a:r>
-              <a:rPr lang="en-US" dirty="0"/>
-              <a:t>      index = 0 </a:t>
-            </a:r>
-          </a:p>
-          <a:p>
-            <a:pPr marL="0" indent="0">
-              <a:buNone/>
-            </a:pPr>
-            <a:r>
-              <a:rPr lang="en-US" dirty="0"/>
               <a:t>      </a:t>
-            </a:r>
-            <a:r>
-              <a:rPr lang="en-US" dirty="0">
-                <a:solidFill>
-                  <a:srgbClr val="00B0F0"/>
-                </a:solidFill>
-              </a:rPr>
-              <a:t>while</a:t>
-            </a:r>
-            <a:r>
-              <a:rPr lang="en-US" dirty="0"/>
-              <a:t> index &lt; </a:t>
-            </a:r>
-            <a:r>
-              <a:rPr lang="en-US" dirty="0" err="1">
-                <a:solidFill>
-                  <a:srgbClr val="FF0000"/>
-                </a:solidFill>
-              </a:rPr>
-              <a:t>len</a:t>
-            </a:r>
-            <a:r>
-              <a:rPr lang="en-US" dirty="0"/>
-              <a:t>(words): </a:t>
-            </a:r>
-          </a:p>
-          <a:p>
-            <a:pPr marL="0" indent="0">
-              <a:buNone/>
-            </a:pPr>
-            <a:r>
-              <a:rPr lang="en-US" dirty="0"/>
-              <a:t>            </a:t>
-            </a:r>
-            <a:r>
-              <a:rPr lang="en-US" dirty="0">
-                <a:solidFill>
-                  <a:srgbClr val="FF0000"/>
-                </a:solidFill>
-              </a:rPr>
-              <a:t>print</a:t>
-            </a:r>
-            <a:r>
-              <a:rPr lang="en-US" dirty="0"/>
-              <a:t>(words[index]) </a:t>
-            </a:r>
-          </a:p>
-          <a:p>
-            <a:pPr marL="0" indent="0">
-              <a:buNone/>
-            </a:pPr>
-            <a:r>
-              <a:rPr lang="en-US" dirty="0"/>
-              <a:t>            index += 1</a:t>
             </a:r>
           </a:p>
         </p:txBody>
@@ -6847,7 +6442,7 @@
 </p:sld>
 </file>
 
-<file path=ppt/slides/slide27.xml><?xml version="1.0" encoding="utf-8"?>
+<file path=ppt/slides/slide26.xml><?xml version="1.0" encoding="utf-8"?>
 <p:sld xmlns:a="http://schemas.openxmlformats.org/drawingml/2006/main" xmlns:r="http://schemas.openxmlformats.org/officeDocument/2006/relationships" xmlns:p="http://schemas.openxmlformats.org/presentationml/2006/main">
   <p:cSld>
     <p:spTree>
@@ -7250,7 +6845,7 @@
 </p:sld>
 </file>
 
-<file path=ppt/slides/slide28.xml><?xml version="1.0" encoding="utf-8"?>
+<file path=ppt/slides/slide27.xml><?xml version="1.0" encoding="utf-8"?>
 <p:sld xmlns:a="http://schemas.openxmlformats.org/drawingml/2006/main" xmlns:r="http://schemas.openxmlformats.org/officeDocument/2006/relationships" xmlns:p="http://schemas.openxmlformats.org/presentationml/2006/main">
   <p:cSld>
     <p:spTree>
@@ -7319,7 +6914,7 @@
 </p:sld>
 </file>
 
-<file path=ppt/slides/slide29.xml><?xml version="1.0" encoding="utf-8"?>
+<file path=ppt/slides/slide28.xml><?xml version="1.0" encoding="utf-8"?>
 <p:sld xmlns:a="http://schemas.openxmlformats.org/drawingml/2006/main" xmlns:r="http://schemas.openxmlformats.org/officeDocument/2006/relationships" xmlns:p="http://schemas.openxmlformats.org/presentationml/2006/main">
   <p:cSld>
     <p:bg>
@@ -7386,6 +6981,172 @@
     <p:extLst>
       <p:ext uri="{BB962C8B-B14F-4D97-AF65-F5344CB8AC3E}">
         <p14:creationId xmlns:p14="http://schemas.microsoft.com/office/powerpoint/2010/main" val="1892368256"/>
+      </p:ext>
+    </p:extLst>
+  </p:cSld>
+  <p:clrMapOvr>
+    <a:masterClrMapping/>
+  </p:clrMapOvr>
+</p:sld>
+</file>
+
+<file path=ppt/slides/slide29.xml><?xml version="1.0" encoding="utf-8"?>
+<p:sld xmlns:a="http://schemas.openxmlformats.org/drawingml/2006/main" xmlns:r="http://schemas.openxmlformats.org/officeDocument/2006/relationships" xmlns:p="http://schemas.openxmlformats.org/presentationml/2006/main">
+  <p:cSld>
+    <p:spTree>
+      <p:nvGrpSpPr>
+        <p:cNvPr id="1" name=""/>
+        <p:cNvGrpSpPr/>
+        <p:nvPr/>
+      </p:nvGrpSpPr>
+      <p:grpSpPr>
+        <a:xfrm>
+          <a:off x="0" y="0"/>
+          <a:ext cx="0" cy="0"/>
+          <a:chOff x="0" y="0"/>
+          <a:chExt cx="0" cy="0"/>
+        </a:xfrm>
+      </p:grpSpPr>
+      <p:sp>
+        <p:nvSpPr>
+          <p:cNvPr id="2" name="Title 1">
+            <a:extLst>
+              <a:ext uri="{FF2B5EF4-FFF2-40B4-BE49-F238E27FC236}">
+                <a16:creationId xmlns:a16="http://schemas.microsoft.com/office/drawing/2014/main" id="{4B95126D-6B32-4F0A-ABE6-721DB8FA6A5D}"/>
+              </a:ext>
+            </a:extLst>
+          </p:cNvPr>
+          <p:cNvSpPr>
+            <a:spLocks noGrp="1"/>
+          </p:cNvSpPr>
+          <p:nvPr>
+            <p:ph type="title"/>
+          </p:nvPr>
+        </p:nvSpPr>
+        <p:spPr/>
+        <p:txBody>
+          <a:bodyPr/>
+          <a:lstStyle/>
+          <a:p>
+            <a:r>
+              <a:rPr lang="en-US" b="1" dirty="0"/>
+              <a:t>Example: Joining Strings </a:t>
+            </a:r>
+          </a:p>
+        </p:txBody>
+      </p:sp>
+      <p:sp>
+        <p:nvSpPr>
+          <p:cNvPr id="3" name="Content Placeholder 2">
+            <a:extLst>
+              <a:ext uri="{FF2B5EF4-FFF2-40B4-BE49-F238E27FC236}">
+                <a16:creationId xmlns:a16="http://schemas.microsoft.com/office/drawing/2014/main" id="{602048EA-3542-4033-BB0D-1A64DD448CEA}"/>
+              </a:ext>
+            </a:extLst>
+          </p:cNvPr>
+          <p:cNvSpPr>
+            <a:spLocks noGrp="1"/>
+          </p:cNvSpPr>
+          <p:nvPr>
+            <p:ph idx="1"/>
+          </p:nvPr>
+        </p:nvSpPr>
+        <p:spPr/>
+        <p:txBody>
+          <a:bodyPr/>
+          <a:lstStyle/>
+          <a:p>
+            <a:pPr marL="0" indent="0">
+              <a:buNone/>
+            </a:pPr>
+            <a:r>
+              <a:rPr lang="en-US" dirty="0"/>
+              <a:t>&gt;&gt;&gt; names = ['Alice', 'Bob', 'Carl', 'Dana', 'Eve’] </a:t>
+            </a:r>
+          </a:p>
+          <a:p>
+            <a:pPr marL="0" indent="0">
+              <a:buNone/>
+            </a:pPr>
+            <a:r>
+              <a:rPr lang="en-US" dirty="0"/>
+              <a:t>&gt;&gt;&gt; "_".join(names)</a:t>
+            </a:r>
+          </a:p>
+          <a:p>
+            <a:pPr marL="0" indent="0">
+              <a:buNone/>
+            </a:pPr>
+            <a:r>
+              <a:rPr lang="en-US" dirty="0"/>
+              <a:t>       '</a:t>
+            </a:r>
+            <a:r>
+              <a:rPr lang="en-US" dirty="0" err="1"/>
+              <a:t>Alice_Bob_Carl_Dana_Eve</a:t>
+            </a:r>
+            <a:r>
+              <a:rPr lang="en-US" dirty="0"/>
+              <a:t>’</a:t>
+            </a:r>
+          </a:p>
+          <a:p>
+            <a:pPr marL="0" indent="0">
+              <a:buNone/>
+            </a:pPr>
+            <a:r>
+              <a:rPr lang="en-US" dirty="0"/>
+              <a:t>• We can also use more than one character as our delimiter if we want</a:t>
+            </a:r>
+          </a:p>
+          <a:p>
+            <a:pPr marL="0" indent="0">
+              <a:buNone/>
+            </a:pPr>
+            <a:endParaRPr lang="en-US" dirty="0"/>
+          </a:p>
+          <a:p>
+            <a:pPr marL="0" indent="0">
+              <a:buNone/>
+            </a:pPr>
+            <a:r>
+              <a:rPr lang="en-US" dirty="0"/>
+              <a:t>&gt;&gt;&gt; " &lt;3 ".join(names) </a:t>
+            </a:r>
+          </a:p>
+          <a:p>
+            <a:pPr marL="0" indent="0">
+              <a:buNone/>
+            </a:pPr>
+            <a:r>
+              <a:rPr lang="en-US" dirty="0"/>
+              <a:t>      'Alice &lt;3 Bob &lt;3 Carl &lt;3 Dana &lt;3 Eve'</a:t>
+            </a:r>
+          </a:p>
+          <a:p>
+            <a:pPr marL="0" indent="0">
+              <a:buNone/>
+            </a:pPr>
+            <a:endParaRPr lang="en-US" dirty="0"/>
+          </a:p>
+          <a:p>
+            <a:pPr marL="0" indent="0">
+              <a:buNone/>
+            </a:pPr>
+            <a:endParaRPr lang="en-US" dirty="0"/>
+          </a:p>
+          <a:p>
+            <a:pPr marL="0" indent="0">
+              <a:buNone/>
+            </a:pPr>
+            <a:endParaRPr lang="en-US" dirty="0"/>
+          </a:p>
+        </p:txBody>
+      </p:sp>
+    </p:spTree>
+    <p:extLst>
+      <p:ext uri="{BB962C8B-B14F-4D97-AF65-F5344CB8AC3E}">
+        <p14:creationId xmlns:p14="http://schemas.microsoft.com/office/powerpoint/2010/main" val="1040464192"/>
       </p:ext>
     </p:extLst>
   </p:cSld>
@@ -7482,172 +7243,6 @@
           <p:cNvPr id="2" name="Title 1">
             <a:extLst>
               <a:ext uri="{FF2B5EF4-FFF2-40B4-BE49-F238E27FC236}">
-                <a16:creationId xmlns:a16="http://schemas.microsoft.com/office/drawing/2014/main" id="{4B95126D-6B32-4F0A-ABE6-721DB8FA6A5D}"/>
-              </a:ext>
-            </a:extLst>
-          </p:cNvPr>
-          <p:cNvSpPr>
-            <a:spLocks noGrp="1"/>
-          </p:cNvSpPr>
-          <p:nvPr>
-            <p:ph type="title"/>
-          </p:nvPr>
-        </p:nvSpPr>
-        <p:spPr/>
-        <p:txBody>
-          <a:bodyPr/>
-          <a:lstStyle/>
-          <a:p>
-            <a:r>
-              <a:rPr lang="en-US" b="1" dirty="0"/>
-              <a:t>Example: Joining Strings </a:t>
-            </a:r>
-          </a:p>
-        </p:txBody>
-      </p:sp>
-      <p:sp>
-        <p:nvSpPr>
-          <p:cNvPr id="3" name="Content Placeholder 2">
-            <a:extLst>
-              <a:ext uri="{FF2B5EF4-FFF2-40B4-BE49-F238E27FC236}">
-                <a16:creationId xmlns:a16="http://schemas.microsoft.com/office/drawing/2014/main" id="{602048EA-3542-4033-BB0D-1A64DD448CEA}"/>
-              </a:ext>
-            </a:extLst>
-          </p:cNvPr>
-          <p:cNvSpPr>
-            <a:spLocks noGrp="1"/>
-          </p:cNvSpPr>
-          <p:nvPr>
-            <p:ph idx="1"/>
-          </p:nvPr>
-        </p:nvSpPr>
-        <p:spPr/>
-        <p:txBody>
-          <a:bodyPr/>
-          <a:lstStyle/>
-          <a:p>
-            <a:pPr marL="0" indent="0">
-              <a:buNone/>
-            </a:pPr>
-            <a:r>
-              <a:rPr lang="en-US" dirty="0"/>
-              <a:t>&gt;&gt;&gt; names = ['Alice', 'Bob', 'Carl', 'Dana', 'Eve’] </a:t>
-            </a:r>
-          </a:p>
-          <a:p>
-            <a:pPr marL="0" indent="0">
-              <a:buNone/>
-            </a:pPr>
-            <a:r>
-              <a:rPr lang="en-US" dirty="0"/>
-              <a:t>&gt;&gt;&gt; "_".join(names)</a:t>
-            </a:r>
-          </a:p>
-          <a:p>
-            <a:pPr marL="0" indent="0">
-              <a:buNone/>
-            </a:pPr>
-            <a:r>
-              <a:rPr lang="en-US" dirty="0"/>
-              <a:t>       '</a:t>
-            </a:r>
-            <a:r>
-              <a:rPr lang="en-US" dirty="0" err="1"/>
-              <a:t>Alice_Bob_Carl_Dana_Eve</a:t>
-            </a:r>
-            <a:r>
-              <a:rPr lang="en-US" dirty="0"/>
-              <a:t>’</a:t>
-            </a:r>
-          </a:p>
-          <a:p>
-            <a:pPr marL="0" indent="0">
-              <a:buNone/>
-            </a:pPr>
-            <a:r>
-              <a:rPr lang="en-US" dirty="0"/>
-              <a:t>• We can also use more than one character as our delimiter if we want</a:t>
-            </a:r>
-          </a:p>
-          <a:p>
-            <a:pPr marL="0" indent="0">
-              <a:buNone/>
-            </a:pPr>
-            <a:endParaRPr lang="en-US" dirty="0"/>
-          </a:p>
-          <a:p>
-            <a:pPr marL="0" indent="0">
-              <a:buNone/>
-            </a:pPr>
-            <a:r>
-              <a:rPr lang="en-US" dirty="0"/>
-              <a:t>&gt;&gt;&gt; " &lt;3 ".join(names) </a:t>
-            </a:r>
-          </a:p>
-          <a:p>
-            <a:pPr marL="0" indent="0">
-              <a:buNone/>
-            </a:pPr>
-            <a:r>
-              <a:rPr lang="en-US" dirty="0"/>
-              <a:t>      'Alice &lt;3 Bob &lt;3 Carl &lt;3 Dana &lt;3 Eve'</a:t>
-            </a:r>
-          </a:p>
-          <a:p>
-            <a:pPr marL="0" indent="0">
-              <a:buNone/>
-            </a:pPr>
-            <a:endParaRPr lang="en-US" dirty="0"/>
-          </a:p>
-          <a:p>
-            <a:pPr marL="0" indent="0">
-              <a:buNone/>
-            </a:pPr>
-            <a:endParaRPr lang="en-US" dirty="0"/>
-          </a:p>
-          <a:p>
-            <a:pPr marL="0" indent="0">
-              <a:buNone/>
-            </a:pPr>
-            <a:endParaRPr lang="en-US" dirty="0"/>
-          </a:p>
-        </p:txBody>
-      </p:sp>
-    </p:spTree>
-    <p:extLst>
-      <p:ext uri="{BB962C8B-B14F-4D97-AF65-F5344CB8AC3E}">
-        <p14:creationId xmlns:p14="http://schemas.microsoft.com/office/powerpoint/2010/main" val="1040464192"/>
-      </p:ext>
-    </p:extLst>
-  </p:cSld>
-  <p:clrMapOvr>
-    <a:masterClrMapping/>
-  </p:clrMapOvr>
-</p:sld>
-</file>
-
-<file path=ppt/slides/slide31.xml><?xml version="1.0" encoding="utf-8"?>
-<p:sld xmlns:a="http://schemas.openxmlformats.org/drawingml/2006/main" xmlns:r="http://schemas.openxmlformats.org/officeDocument/2006/relationships" xmlns:p="http://schemas.openxmlformats.org/presentationml/2006/main">
-  <p:cSld>
-    <p:spTree>
-      <p:nvGrpSpPr>
-        <p:cNvPr id="1" name=""/>
-        <p:cNvGrpSpPr/>
-        <p:nvPr/>
-      </p:nvGrpSpPr>
-      <p:grpSpPr>
-        <a:xfrm>
-          <a:off x="0" y="0"/>
-          <a:ext cx="0" cy="0"/>
-          <a:chOff x="0" y="0"/>
-          <a:chExt cx="0" cy="0"/>
-        </a:xfrm>
-      </p:grpSpPr>
-      <p:sp>
-        <p:nvSpPr>
-          <p:cNvPr id="2" name="Title 1">
-            <a:extLst>
-              <a:ext uri="{FF2B5EF4-FFF2-40B4-BE49-F238E27FC236}">
                 <a16:creationId xmlns:a16="http://schemas.microsoft.com/office/drawing/2014/main" id="{5BAE631A-383E-47D7-A9E5-3619A08DEFAA}"/>
               </a:ext>
             </a:extLst>
@@ -7786,7 +7381,7 @@
 </p:sld>
 </file>
 
-<file path=ppt/slides/slide32.xml><?xml version="1.0" encoding="utf-8"?>
+<file path=ppt/slides/slide31.xml><?xml version="1.0" encoding="utf-8"?>
 <p:sld xmlns:a="http://schemas.openxmlformats.org/drawingml/2006/main" xmlns:r="http://schemas.openxmlformats.org/officeDocument/2006/relationships" xmlns:p="http://schemas.openxmlformats.org/presentationml/2006/main">
   <p:cSld>
     <p:bg>
@@ -7902,6 +7497,231 @@
 </p:sld>
 </file>
 
+<file path=ppt/slides/slide32.xml><?xml version="1.0" encoding="utf-8"?>
+<p:sld xmlns:a="http://schemas.openxmlformats.org/drawingml/2006/main" xmlns:r="http://schemas.openxmlformats.org/officeDocument/2006/relationships" xmlns:p="http://schemas.openxmlformats.org/presentationml/2006/main">
+  <p:cSld>
+    <p:spTree>
+      <p:nvGrpSpPr>
+        <p:cNvPr id="1" name=""/>
+        <p:cNvGrpSpPr/>
+        <p:nvPr/>
+      </p:nvGrpSpPr>
+      <p:grpSpPr>
+        <a:xfrm>
+          <a:off x="0" y="0"/>
+          <a:ext cx="0" cy="0"/>
+          <a:chOff x="0" y="0"/>
+          <a:chExt cx="0" cy="0"/>
+        </a:xfrm>
+      </p:grpSpPr>
+      <p:sp>
+        <p:nvSpPr>
+          <p:cNvPr id="2" name="Title 1">
+            <a:extLst>
+              <a:ext uri="{FF2B5EF4-FFF2-40B4-BE49-F238E27FC236}">
+                <a16:creationId xmlns:a16="http://schemas.microsoft.com/office/drawing/2014/main" id="{48E7E401-830F-4670-AC9C-A2376879EEFF}"/>
+              </a:ext>
+            </a:extLst>
+          </p:cNvPr>
+          <p:cNvSpPr>
+            <a:spLocks noGrp="1"/>
+          </p:cNvSpPr>
+          <p:nvPr>
+            <p:ph type="title"/>
+          </p:nvPr>
+        </p:nvSpPr>
+        <p:spPr>
+          <a:xfrm>
+            <a:off x="838200" y="0"/>
+            <a:ext cx="10515600" cy="1325563"/>
+          </a:xfrm>
+        </p:spPr>
+        <p:txBody>
+          <a:bodyPr/>
+          <a:lstStyle/>
+          <a:p>
+            <a:r>
+              <a:rPr lang="en-US" b="1" dirty="0"/>
+              <a:t>Some More Useful Methods </a:t>
+            </a:r>
+          </a:p>
+        </p:txBody>
+      </p:sp>
+      <p:sp>
+        <p:nvSpPr>
+          <p:cNvPr id="3" name="Content Placeholder 2">
+            <a:extLst>
+              <a:ext uri="{FF2B5EF4-FFF2-40B4-BE49-F238E27FC236}">
+                <a16:creationId xmlns:a16="http://schemas.microsoft.com/office/drawing/2014/main" id="{DD652F91-7635-41C0-B716-4426A1006350}"/>
+              </a:ext>
+            </a:extLst>
+          </p:cNvPr>
+          <p:cNvSpPr>
+            <a:spLocks noGrp="1"/>
+          </p:cNvSpPr>
+          <p:nvPr>
+            <p:ph idx="1"/>
+          </p:nvPr>
+        </p:nvSpPr>
+        <p:spPr>
+          <a:xfrm>
+            <a:off x="838200" y="1463040"/>
+            <a:ext cx="10515600" cy="5394960"/>
+          </a:xfrm>
+        </p:spPr>
+        <p:txBody>
+          <a:bodyPr>
+            <a:normAutofit fontScale="92500" lnSpcReduction="10000"/>
+          </a:bodyPr>
+          <a:lstStyle/>
+          <a:p>
+            <a:r>
+              <a:rPr lang="en-US" dirty="0"/>
+              <a:t>Let us consider that we have a string called ‘phrase’</a:t>
+            </a:r>
+          </a:p>
+          <a:p>
+            <a:r>
+              <a:rPr lang="en-US" dirty="0"/>
+              <a:t>Phrase = “I am learning Python”</a:t>
+            </a:r>
+          </a:p>
+          <a:p>
+            <a:r>
+              <a:rPr lang="en-US" dirty="0"/>
+              <a:t>The words in </a:t>
+            </a:r>
+            <a:r>
+              <a:rPr lang="en-US" b="1" dirty="0"/>
+              <a:t>Bold </a:t>
+            </a:r>
+            <a:r>
+              <a:rPr lang="en-US" dirty="0"/>
+              <a:t>are methods </a:t>
+            </a:r>
+          </a:p>
+          <a:p>
+            <a:pPr marL="0" indent="0">
+              <a:buNone/>
+            </a:pPr>
+            <a:r>
+              <a:rPr lang="en-US" dirty="0"/>
+              <a:t> </a:t>
+            </a:r>
+          </a:p>
+          <a:p>
+            <a:pPr marL="0" indent="0">
+              <a:buNone/>
+            </a:pPr>
+            <a:r>
+              <a:rPr lang="en-US" dirty="0" err="1"/>
+              <a:t>Phrase.</a:t>
+            </a:r>
+            <a:r>
+              <a:rPr lang="en-US" b="1" dirty="0" err="1"/>
+              <a:t>upper</a:t>
+            </a:r>
+            <a:r>
+              <a:rPr lang="en-US" dirty="0"/>
+              <a:t>() – This will convert the string to upper case</a:t>
+            </a:r>
+          </a:p>
+          <a:p>
+            <a:pPr marL="0" indent="0">
+              <a:buNone/>
+            </a:pPr>
+            <a:r>
+              <a:rPr lang="en-US" dirty="0"/>
+              <a:t>Syntax – phrase2= </a:t>
+            </a:r>
+            <a:r>
+              <a:rPr lang="en-US" dirty="0" err="1"/>
+              <a:t>phrase.upper</a:t>
+            </a:r>
+            <a:r>
+              <a:rPr lang="en-US" dirty="0"/>
+              <a:t>()</a:t>
+            </a:r>
+          </a:p>
+          <a:p>
+            <a:pPr marL="0" indent="0">
+              <a:buNone/>
+            </a:pPr>
+            <a:r>
+              <a:rPr lang="en-US" dirty="0"/>
+              <a:t>                print (phase2) </a:t>
+            </a:r>
+          </a:p>
+          <a:p>
+            <a:pPr marL="0" indent="0">
+              <a:buNone/>
+            </a:pPr>
+            <a:endParaRPr lang="en-US" dirty="0"/>
+          </a:p>
+          <a:p>
+            <a:pPr marL="0" indent="0">
+              <a:buNone/>
+            </a:pPr>
+            <a:r>
+              <a:rPr lang="en-US" dirty="0" err="1"/>
+              <a:t>Phrase.</a:t>
+            </a:r>
+            <a:r>
+              <a:rPr lang="en-US" b="1" dirty="0" err="1"/>
+              <a:t>lower</a:t>
+            </a:r>
+            <a:r>
+              <a:rPr lang="en-US" dirty="0"/>
+              <a:t>()- This will convert the string into lower case (If it is already in lower case, there would not be any changes made)</a:t>
+            </a:r>
+          </a:p>
+          <a:p>
+            <a:pPr marL="0" indent="0">
+              <a:buNone/>
+            </a:pPr>
+            <a:r>
+              <a:rPr lang="en-US" dirty="0"/>
+              <a:t>  Syntax – phrase2= </a:t>
+            </a:r>
+            <a:r>
+              <a:rPr lang="en-US" dirty="0" err="1"/>
+              <a:t>phrase.lower</a:t>
+            </a:r>
+            <a:r>
+              <a:rPr lang="en-US" dirty="0"/>
+              <a:t>() </a:t>
+            </a:r>
+          </a:p>
+          <a:p>
+            <a:pPr marL="0" indent="0">
+              <a:buNone/>
+            </a:pPr>
+            <a:r>
+              <a:rPr lang="en-US" dirty="0"/>
+              <a:t>                  print (phrase2) </a:t>
+            </a:r>
+          </a:p>
+          <a:p>
+            <a:pPr marL="0" indent="0">
+              <a:buNone/>
+            </a:pPr>
+            <a:endParaRPr lang="en-US" dirty="0"/>
+          </a:p>
+        </p:txBody>
+      </p:sp>
+    </p:spTree>
+    <p:extLst>
+      <p:ext uri="{BB962C8B-B14F-4D97-AF65-F5344CB8AC3E}">
+        <p14:creationId xmlns:p14="http://schemas.microsoft.com/office/powerpoint/2010/main" val="1007125431"/>
+      </p:ext>
+    </p:extLst>
+  </p:cSld>
+  <p:clrMapOvr>
+    <a:masterClrMapping/>
+  </p:clrMapOvr>
+</p:sld>
+</file>
+
 <file path=ppt/slides/slide33.xml><?xml version="1.0" encoding="utf-8"?>
 <p:sld xmlns:a="http://schemas.openxmlformats.org/drawingml/2006/main" xmlns:r="http://schemas.openxmlformats.org/officeDocument/2006/relationships" xmlns:p="http://schemas.openxmlformats.org/presentationml/2006/main">
   <p:cSld>
@@ -7924,7 +7744,7 @@
           <p:cNvPr id="2" name="Title 1">
             <a:extLst>
               <a:ext uri="{FF2B5EF4-FFF2-40B4-BE49-F238E27FC236}">
-                <a16:creationId xmlns:a16="http://schemas.microsoft.com/office/drawing/2014/main" id="{48E7E401-830F-4670-AC9C-A2376879EEFF}"/>
+                <a16:creationId xmlns:a16="http://schemas.microsoft.com/office/drawing/2014/main" id="{50DF51F5-289D-4A49-9141-CCE5D17ECA38}"/>
               </a:ext>
             </a:extLst>
           </p:cNvPr>
@@ -7935,18 +7755,13 @@
             <p:ph type="title"/>
           </p:nvPr>
         </p:nvSpPr>
-        <p:spPr>
-          <a:xfrm>
-            <a:off x="838200" y="0"/>
-            <a:ext cx="10515600" cy="1325563"/>
-          </a:xfrm>
-        </p:spPr>
+        <p:spPr/>
         <p:txBody>
           <a:bodyPr/>
           <a:lstStyle/>
           <a:p>
             <a:r>
-              <a:rPr lang="en-US" b="1" dirty="0"/>
+              <a:rPr lang="en-US"/>
               <a:t>Some More Useful Methods </a:t>
             </a:r>
           </a:p>
@@ -7957,7 +7772,7 @@
           <p:cNvPr id="3" name="Content Placeholder 2">
             <a:extLst>
               <a:ext uri="{FF2B5EF4-FFF2-40B4-BE49-F238E27FC236}">
-                <a16:creationId xmlns:a16="http://schemas.microsoft.com/office/drawing/2014/main" id="{DD652F91-7635-41C0-B716-4426A1006350}"/>
+                <a16:creationId xmlns:a16="http://schemas.microsoft.com/office/drawing/2014/main" id="{E4FB38AB-73E8-4CC4-B268-7032259190B2}"/>
               </a:ext>
             </a:extLst>
           </p:cNvPr>
@@ -7968,41 +7783,59 @@
             <p:ph idx="1"/>
           </p:nvPr>
         </p:nvSpPr>
-        <p:spPr>
-          <a:xfrm>
-            <a:off x="838200" y="1463040"/>
-            <a:ext cx="10515600" cy="5394960"/>
-          </a:xfrm>
-        </p:spPr>
+        <p:spPr/>
         <p:txBody>
           <a:bodyPr>
-            <a:normAutofit fontScale="92500" lnSpcReduction="10000"/>
+            <a:normAutofit lnSpcReduction="10000"/>
           </a:bodyPr>
           <a:lstStyle/>
           <a:p>
             <a:r>
-              <a:rPr lang="en-US" dirty="0"/>
-              <a:t>Let us consider that we have a string called ‘phrase’</a:t>
-            </a:r>
-          </a:p>
-          <a:p>
-            <a:r>
-              <a:rPr lang="en-US" dirty="0"/>
-              <a:t>Phrase = “I am learning Python”</a:t>
-            </a:r>
-          </a:p>
-          <a:p>
-            <a:r>
-              <a:rPr lang="en-US" dirty="0"/>
-              <a:t>The words in </a:t>
-            </a:r>
-            <a:r>
-              <a:rPr lang="en-US" b="1" dirty="0"/>
-              <a:t>Bold </a:t>
-            </a:r>
-            <a:r>
-              <a:rPr lang="en-US" dirty="0"/>
-              <a:t>are methods </a:t>
+              <a:rPr lang="en-US" dirty="0" err="1"/>
+              <a:t>Phrase.isupper</a:t>
+            </a:r>
+            <a:r>
+              <a:rPr lang="en-US" dirty="0"/>
+              <a:t>()- Checks if the string is in upper case or not</a:t>
+            </a:r>
+          </a:p>
+          <a:p>
+            <a:pPr marL="0" indent="0">
+              <a:buNone/>
+            </a:pPr>
+            <a:r>
+              <a:rPr lang="en-US" dirty="0"/>
+              <a:t>      </a:t>
+            </a:r>
+            <a:r>
+              <a:rPr lang="fr-FR" dirty="0"/>
+              <a:t>phrase = 'I love python’</a:t>
+            </a:r>
+          </a:p>
+          <a:p>
+            <a:pPr marL="0" indent="0">
+              <a:buNone/>
+            </a:pPr>
+            <a:r>
+              <a:rPr lang="fr-FR" dirty="0"/>
+              <a:t>      phrase2=</a:t>
+            </a:r>
+            <a:r>
+              <a:rPr lang="fr-FR" dirty="0" err="1"/>
+              <a:t>phrase.isupper</a:t>
+            </a:r>
+            <a:r>
+              <a:rPr lang="fr-FR" dirty="0"/>
+              <a:t>()</a:t>
+            </a:r>
+          </a:p>
+          <a:p>
+            <a:pPr marL="0" indent="0">
+              <a:buNone/>
+            </a:pPr>
+            <a:r>
+              <a:rPr lang="fr-FR" dirty="0"/>
+              <a:t>      print (phrase2)</a:t>
             </a:r>
           </a:p>
           <a:p>
@@ -8015,36 +7848,42 @@
             </a:r>
           </a:p>
           <a:p>
-            <a:pPr marL="0" indent="0">
-              <a:buNone/>
-            </a:pPr>
             <a:r>
               <a:rPr lang="en-US" dirty="0" err="1"/>
-              <a:t>Phrase.</a:t>
-            </a:r>
-            <a:r>
-              <a:rPr lang="en-US" b="1" dirty="0" err="1"/>
-              <a:t>upper</a:t>
-            </a:r>
-            <a:r>
-              <a:rPr lang="en-US" dirty="0"/>
-              <a:t>() – This will convert the string to upper case</a:t>
-            </a:r>
-          </a:p>
-          <a:p>
-            <a:pPr marL="0" indent="0">
-              <a:buNone/>
-            </a:pPr>
-            <a:r>
-              <a:rPr lang="en-US" dirty="0"/>
-              <a:t>Syntax – phrase2= </a:t>
-            </a:r>
-            <a:r>
-              <a:rPr lang="en-US" dirty="0" err="1"/>
-              <a:t>phrase.upper</a:t>
-            </a:r>
-            <a:r>
-              <a:rPr lang="en-US" dirty="0"/>
+              <a:t>Phrase.islower</a:t>
+            </a:r>
+            <a:r>
+              <a:rPr lang="en-US" dirty="0"/>
+              <a:t>()- Checks if the string is in lowercase or not </a:t>
+            </a:r>
+          </a:p>
+          <a:p>
+            <a:pPr marL="0" indent="0">
+              <a:buNone/>
+            </a:pPr>
+            <a:r>
+              <a:rPr lang="en-US" dirty="0"/>
+              <a:t>     </a:t>
+            </a:r>
+            <a:r>
+              <a:rPr lang="fr-FR" dirty="0"/>
+              <a:t>phrase = 'I love python’</a:t>
+            </a:r>
+          </a:p>
+          <a:p>
+            <a:pPr marL="0" indent="0">
+              <a:buNone/>
+            </a:pPr>
+            <a:r>
+              <a:rPr lang="fr-FR" dirty="0"/>
+              <a:t>     phrase2=</a:t>
+            </a:r>
+            <a:r>
+              <a:rPr lang="fr-FR" dirty="0" err="1"/>
+              <a:t>phrase.islower</a:t>
+            </a:r>
+            <a:r>
+              <a:rPr lang="fr-FR" dirty="0"/>
               <a:t>()</a:t>
             </a:r>
           </a:p>
@@ -8053,8 +7892,8 @@
               <a:buNone/>
             </a:pPr>
             <a:r>
-              <a:rPr lang="en-US" dirty="0"/>
-              <a:t>                print (phase2) </a:t>
+              <a:rPr lang="fr-FR" dirty="0"/>
+              <a:t>     print (phrase2)</a:t>
             </a:r>
           </a:p>
           <a:p>
@@ -8064,52 +7903,6 @@
             <a:endParaRPr lang="en-US" dirty="0"/>
           </a:p>
           <a:p>
-            <a:pPr marL="0" indent="0">
-              <a:buNone/>
-            </a:pPr>
-            <a:r>
-              <a:rPr lang="en-US" dirty="0" err="1"/>
-              <a:t>Phrase.</a:t>
-            </a:r>
-            <a:r>
-              <a:rPr lang="en-US" b="1" dirty="0" err="1"/>
-              <a:t>lower</a:t>
-            </a:r>
-            <a:r>
-              <a:rPr lang="en-US" dirty="0"/>
-              <a:t>()- This will convert the string into lower case (If it is already in lower case, there would not be any changes made)</a:t>
-            </a:r>
-          </a:p>
-          <a:p>
-            <a:pPr marL="0" indent="0">
-              <a:buNone/>
-            </a:pPr>
-            <a:r>
-              <a:rPr lang="en-US" dirty="0"/>
-              <a:t>  Syntax – phrase2= </a:t>
-            </a:r>
-            <a:r>
-              <a:rPr lang="en-US" dirty="0" err="1"/>
-              <a:t>phrase.lower</a:t>
-            </a:r>
-            <a:r>
-              <a:rPr lang="en-US" dirty="0"/>
-              <a:t>() </a:t>
-            </a:r>
-          </a:p>
-          <a:p>
-            <a:pPr marL="0" indent="0">
-              <a:buNone/>
-            </a:pPr>
-            <a:r>
-              <a:rPr lang="en-US" dirty="0"/>
-              <a:t>                  print (phrase2) </a:t>
-            </a:r>
-          </a:p>
-          <a:p>
-            <a:pPr marL="0" indent="0">
-              <a:buNone/>
-            </a:pPr>
             <a:endParaRPr lang="en-US" dirty="0"/>
           </a:p>
         </p:txBody>
@@ -8117,7 +7910,7 @@
     </p:spTree>
     <p:extLst>
       <p:ext uri="{BB962C8B-B14F-4D97-AF65-F5344CB8AC3E}">
-        <p14:creationId xmlns:p14="http://schemas.microsoft.com/office/powerpoint/2010/main" val="1007125431"/>
+        <p14:creationId xmlns:p14="http://schemas.microsoft.com/office/powerpoint/2010/main" val="3961362949"/>
       </p:ext>
     </p:extLst>
   </p:cSld>
@@ -8149,7 +7942,7 @@
           <p:cNvPr id="2" name="Title 1">
             <a:extLst>
               <a:ext uri="{FF2B5EF4-FFF2-40B4-BE49-F238E27FC236}">
-                <a16:creationId xmlns:a16="http://schemas.microsoft.com/office/drawing/2014/main" id="{50DF51F5-289D-4A49-9141-CCE5D17ECA38}"/>
+                <a16:creationId xmlns:a16="http://schemas.microsoft.com/office/drawing/2014/main" id="{39AADA50-058E-43E8-ABB4-5D3169F5C3AD}"/>
               </a:ext>
             </a:extLst>
           </p:cNvPr>
@@ -8166,8 +7959,8 @@
           <a:lstStyle/>
           <a:p>
             <a:r>
-              <a:rPr lang="en-US"/>
-              <a:t>Some More Useful Methods </a:t>
+              <a:rPr lang="en-US" dirty="0"/>
+              <a:t>Combination of two methods Example </a:t>
             </a:r>
           </a:p>
         </p:txBody>
@@ -8177,7 +7970,7 @@
           <p:cNvPr id="3" name="Content Placeholder 2">
             <a:extLst>
               <a:ext uri="{FF2B5EF4-FFF2-40B4-BE49-F238E27FC236}">
-                <a16:creationId xmlns:a16="http://schemas.microsoft.com/office/drawing/2014/main" id="{E4FB38AB-73E8-4CC4-B268-7032259190B2}"/>
+                <a16:creationId xmlns:a16="http://schemas.microsoft.com/office/drawing/2014/main" id="{486EE1B2-9D82-46B6-ADAC-7A513A871B20}"/>
               </a:ext>
             </a:extLst>
           </p:cNvPr>
@@ -8196,25 +7989,32 @@
           <a:lstStyle/>
           <a:p>
             <a:r>
-              <a:rPr lang="en-US" dirty="0" err="1"/>
-              <a:t>Phrase.isupper</a:t>
-            </a:r>
-            <a:r>
-              <a:rPr lang="en-US" dirty="0"/>
-              <a:t>()- Checks if the string is in upper case or not</a:t>
-            </a:r>
-          </a:p>
-          <a:p>
-            <a:pPr marL="0" indent="0">
-              <a:buNone/>
-            </a:pPr>
-            <a:r>
-              <a:rPr lang="en-US" dirty="0"/>
-              <a:t>      </a:t>
-            </a:r>
+              <a:rPr lang="en-US" dirty="0"/>
+              <a:t>Phrase.upper().isupper()</a:t>
+            </a:r>
+          </a:p>
+          <a:p>
+            <a:pPr marL="0" indent="0">
+              <a:buNone/>
+            </a:pPr>
+            <a:r>
+              <a:rPr lang="en-US" dirty="0"/>
+              <a:t>    - Combination of two functions will First convert to upper then check if it is upper case or not)</a:t>
+            </a:r>
+          </a:p>
+          <a:p>
+            <a:pPr marL="0" indent="0">
+              <a:buNone/>
+            </a:pPr>
+            <a:endParaRPr lang="en-US" dirty="0"/>
+          </a:p>
+          <a:p>
+            <a:pPr marL="0" indent="0">
+              <a:buNone/>
+            </a:pPr>
             <a:r>
               <a:rPr lang="fr-FR" dirty="0"/>
-              <a:t>phrase = 'I love python’</a:t>
+              <a:t>         phrase = 'i love python’</a:t>
             </a:r>
           </a:p>
           <a:p>
@@ -8223,15 +8023,15 @@
             </a:pPr>
             <a:r>
               <a:rPr lang="fr-FR" dirty="0"/>
-              <a:t>      phrase2=</a:t>
+              <a:t>         phrase2=</a:t>
             </a:r>
             <a:r>
               <a:rPr lang="fr-FR" dirty="0" err="1"/>
-              <a:t>phrase.isupper</a:t>
+              <a:t>phrase.upper</a:t>
             </a:r>
             <a:r>
               <a:rPr lang="fr-FR" dirty="0"/>
-              <a:t>()</a:t>
+              <a:t>().isupper()</a:t>
             </a:r>
           </a:p>
           <a:p>
@@ -8240,65 +8040,59 @@
             </a:pPr>
             <a:r>
               <a:rPr lang="fr-FR" dirty="0"/>
-              <a:t>      print (phrase2)</a:t>
-            </a:r>
-          </a:p>
-          <a:p>
-            <a:pPr marL="0" indent="0">
-              <a:buNone/>
-            </a:pPr>
-            <a:r>
-              <a:rPr lang="en-US" dirty="0"/>
+              <a:t>         print(phrase2)</a:t>
+            </a:r>
+          </a:p>
+          <a:p>
+            <a:pPr marL="0" indent="0">
+              <a:buNone/>
+            </a:pPr>
+            <a:endParaRPr lang="fr-FR" dirty="0"/>
+          </a:p>
+          <a:p>
+            <a:r>
+              <a:rPr lang="fr-FR" dirty="0"/>
+              <a:t>This </a:t>
+            </a:r>
+            <a:r>
+              <a:rPr lang="fr-FR" dirty="0" err="1"/>
+              <a:t>will</a:t>
+            </a:r>
+            <a:r>
+              <a:rPr lang="fr-FR" dirty="0"/>
               <a:t> </a:t>
             </a:r>
-          </a:p>
-          <a:p>
-            <a:r>
-              <a:rPr lang="en-US" dirty="0" err="1"/>
-              <a:t>Phrase.islower</a:t>
-            </a:r>
-            <a:r>
-              <a:rPr lang="en-US" dirty="0"/>
-              <a:t>()- Checks if the string is in lowercase or not </a:t>
-            </a:r>
-          </a:p>
-          <a:p>
-            <a:pPr marL="0" indent="0">
-              <a:buNone/>
-            </a:pPr>
-            <a:r>
-              <a:rPr lang="en-US" dirty="0"/>
-              <a:t>     </a:t>
+            <a:r>
+              <a:rPr lang="fr-FR" dirty="0" err="1"/>
+              <a:t>always</a:t>
             </a:r>
             <a:r>
               <a:rPr lang="fr-FR" dirty="0"/>
-              <a:t>phrase = 'I love python’</a:t>
-            </a:r>
-          </a:p>
-          <a:p>
-            <a:pPr marL="0" indent="0">
-              <a:buNone/>
-            </a:pPr>
+              <a:t> </a:t>
+            </a:r>
+            <a:r>
+              <a:rPr lang="fr-FR" dirty="0" err="1"/>
+              <a:t>give</a:t>
+            </a:r>
             <a:r>
               <a:rPr lang="fr-FR" dirty="0"/>
-              <a:t>     phrase2=</a:t>
+              <a:t> a ‘</a:t>
             </a:r>
             <a:r>
               <a:rPr lang="fr-FR" dirty="0" err="1"/>
-              <a:t>phrase.islower</a:t>
+              <a:t>True</a:t>
             </a:r>
             <a:r>
               <a:rPr lang="fr-FR" dirty="0"/>
-              <a:t>()</a:t>
-            </a:r>
-          </a:p>
-          <a:p>
-            <a:pPr marL="0" indent="0">
-              <a:buNone/>
-            </a:pPr>
+              <a:t>’ output. </a:t>
+            </a:r>
+            <a:r>
+              <a:rPr lang="fr-FR" dirty="0" err="1"/>
+              <a:t>Why</a:t>
+            </a:r>
             <a:r>
               <a:rPr lang="fr-FR" dirty="0"/>
-              <a:t>     print (phrase2)</a:t>
+              <a:t>? </a:t>
             </a:r>
           </a:p>
           <a:p>
@@ -8315,7 +8109,7 @@
     </p:spTree>
     <p:extLst>
       <p:ext uri="{BB962C8B-B14F-4D97-AF65-F5344CB8AC3E}">
-        <p14:creationId xmlns:p14="http://schemas.microsoft.com/office/powerpoint/2010/main" val="3961362949"/>
+        <p14:creationId xmlns:p14="http://schemas.microsoft.com/office/powerpoint/2010/main" val="3379985068"/>
       </p:ext>
     </p:extLst>
   </p:cSld>
@@ -8347,205 +8141,6 @@
           <p:cNvPr id="2" name="Title 1">
             <a:extLst>
               <a:ext uri="{FF2B5EF4-FFF2-40B4-BE49-F238E27FC236}">
-                <a16:creationId xmlns:a16="http://schemas.microsoft.com/office/drawing/2014/main" id="{39AADA50-058E-43E8-ABB4-5D3169F5C3AD}"/>
-              </a:ext>
-            </a:extLst>
-          </p:cNvPr>
-          <p:cNvSpPr>
-            <a:spLocks noGrp="1"/>
-          </p:cNvSpPr>
-          <p:nvPr>
-            <p:ph type="title"/>
-          </p:nvPr>
-        </p:nvSpPr>
-        <p:spPr/>
-        <p:txBody>
-          <a:bodyPr/>
-          <a:lstStyle/>
-          <a:p>
-            <a:r>
-              <a:rPr lang="en-US" dirty="0"/>
-              <a:t>Combination of two methods Example </a:t>
-            </a:r>
-          </a:p>
-        </p:txBody>
-      </p:sp>
-      <p:sp>
-        <p:nvSpPr>
-          <p:cNvPr id="3" name="Content Placeholder 2">
-            <a:extLst>
-              <a:ext uri="{FF2B5EF4-FFF2-40B4-BE49-F238E27FC236}">
-                <a16:creationId xmlns:a16="http://schemas.microsoft.com/office/drawing/2014/main" id="{486EE1B2-9D82-46B6-ADAC-7A513A871B20}"/>
-              </a:ext>
-            </a:extLst>
-          </p:cNvPr>
-          <p:cNvSpPr>
-            <a:spLocks noGrp="1"/>
-          </p:cNvSpPr>
-          <p:nvPr>
-            <p:ph idx="1"/>
-          </p:nvPr>
-        </p:nvSpPr>
-        <p:spPr/>
-        <p:txBody>
-          <a:bodyPr>
-            <a:normAutofit lnSpcReduction="10000"/>
-          </a:bodyPr>
-          <a:lstStyle/>
-          <a:p>
-            <a:r>
-              <a:rPr lang="en-US" dirty="0"/>
-              <a:t>Phrase.upper().isupper()</a:t>
-            </a:r>
-          </a:p>
-          <a:p>
-            <a:pPr marL="0" indent="0">
-              <a:buNone/>
-            </a:pPr>
-            <a:r>
-              <a:rPr lang="en-US" dirty="0"/>
-              <a:t>    - Combination of two functions will First convert to upper then check if it is upper case or not)</a:t>
-            </a:r>
-          </a:p>
-          <a:p>
-            <a:pPr marL="0" indent="0">
-              <a:buNone/>
-            </a:pPr>
-            <a:endParaRPr lang="en-US" dirty="0"/>
-          </a:p>
-          <a:p>
-            <a:pPr marL="0" indent="0">
-              <a:buNone/>
-            </a:pPr>
-            <a:r>
-              <a:rPr lang="fr-FR" dirty="0"/>
-              <a:t>         phrase = 'i love python’</a:t>
-            </a:r>
-          </a:p>
-          <a:p>
-            <a:pPr marL="0" indent="0">
-              <a:buNone/>
-            </a:pPr>
-            <a:r>
-              <a:rPr lang="fr-FR" dirty="0"/>
-              <a:t>         phrase2=</a:t>
-            </a:r>
-            <a:r>
-              <a:rPr lang="fr-FR" dirty="0" err="1"/>
-              <a:t>phrase.upper</a:t>
-            </a:r>
-            <a:r>
-              <a:rPr lang="fr-FR" dirty="0"/>
-              <a:t>().isupper()</a:t>
-            </a:r>
-          </a:p>
-          <a:p>
-            <a:pPr marL="0" indent="0">
-              <a:buNone/>
-            </a:pPr>
-            <a:r>
-              <a:rPr lang="fr-FR" dirty="0"/>
-              <a:t>         print(phrase2)</a:t>
-            </a:r>
-          </a:p>
-          <a:p>
-            <a:pPr marL="0" indent="0">
-              <a:buNone/>
-            </a:pPr>
-            <a:endParaRPr lang="fr-FR" dirty="0"/>
-          </a:p>
-          <a:p>
-            <a:r>
-              <a:rPr lang="fr-FR" dirty="0"/>
-              <a:t>This </a:t>
-            </a:r>
-            <a:r>
-              <a:rPr lang="fr-FR" dirty="0" err="1"/>
-              <a:t>will</a:t>
-            </a:r>
-            <a:r>
-              <a:rPr lang="fr-FR" dirty="0"/>
-              <a:t> </a:t>
-            </a:r>
-            <a:r>
-              <a:rPr lang="fr-FR" dirty="0" err="1"/>
-              <a:t>always</a:t>
-            </a:r>
-            <a:r>
-              <a:rPr lang="fr-FR" dirty="0"/>
-              <a:t> </a:t>
-            </a:r>
-            <a:r>
-              <a:rPr lang="fr-FR" dirty="0" err="1"/>
-              <a:t>give</a:t>
-            </a:r>
-            <a:r>
-              <a:rPr lang="fr-FR" dirty="0"/>
-              <a:t> a ‘</a:t>
-            </a:r>
-            <a:r>
-              <a:rPr lang="fr-FR" dirty="0" err="1"/>
-              <a:t>True</a:t>
-            </a:r>
-            <a:r>
-              <a:rPr lang="fr-FR" dirty="0"/>
-              <a:t>’ output. </a:t>
-            </a:r>
-            <a:r>
-              <a:rPr lang="fr-FR" dirty="0" err="1"/>
-              <a:t>Why</a:t>
-            </a:r>
-            <a:r>
-              <a:rPr lang="fr-FR" dirty="0"/>
-              <a:t>? </a:t>
-            </a:r>
-          </a:p>
-          <a:p>
-            <a:pPr marL="0" indent="0">
-              <a:buNone/>
-            </a:pPr>
-            <a:endParaRPr lang="en-US" dirty="0"/>
-          </a:p>
-          <a:p>
-            <a:endParaRPr lang="en-US" dirty="0"/>
-          </a:p>
-        </p:txBody>
-      </p:sp>
-    </p:spTree>
-    <p:extLst>
-      <p:ext uri="{BB962C8B-B14F-4D97-AF65-F5344CB8AC3E}">
-        <p14:creationId xmlns:p14="http://schemas.microsoft.com/office/powerpoint/2010/main" val="3379985068"/>
-      </p:ext>
-    </p:extLst>
-  </p:cSld>
-  <p:clrMapOvr>
-    <a:masterClrMapping/>
-  </p:clrMapOvr>
-</p:sld>
-</file>
-
-<file path=ppt/slides/slide36.xml><?xml version="1.0" encoding="utf-8"?>
-<p:sld xmlns:a="http://schemas.openxmlformats.org/drawingml/2006/main" xmlns:r="http://schemas.openxmlformats.org/officeDocument/2006/relationships" xmlns:p="http://schemas.openxmlformats.org/presentationml/2006/main">
-  <p:cSld>
-    <p:spTree>
-      <p:nvGrpSpPr>
-        <p:cNvPr id="1" name=""/>
-        <p:cNvGrpSpPr/>
-        <p:nvPr/>
-      </p:nvGrpSpPr>
-      <p:grpSpPr>
-        <a:xfrm>
-          <a:off x="0" y="0"/>
-          <a:ext cx="0" cy="0"/>
-          <a:chOff x="0" y="0"/>
-          <a:chExt cx="0" cy="0"/>
-        </a:xfrm>
-      </p:grpSpPr>
-      <p:sp>
-        <p:nvSpPr>
-          <p:cNvPr id="2" name="Title 1">
-            <a:extLst>
-              <a:ext uri="{FF2B5EF4-FFF2-40B4-BE49-F238E27FC236}">
                 <a16:creationId xmlns:a16="http://schemas.microsoft.com/office/drawing/2014/main" id="{062B1ABB-A25C-425B-9C97-4231A71B4BA6}"/>
               </a:ext>
             </a:extLst>
@@ -8677,7 +8272,7 @@
 </p:sld>
 </file>
 
-<file path=ppt/slides/slide37.xml><?xml version="1.0" encoding="utf-8"?>
+<file path=ppt/slides/slide36.xml><?xml version="1.0" encoding="utf-8"?>
 <p:sld xmlns:a="http://schemas.openxmlformats.org/drawingml/2006/main" xmlns:r="http://schemas.openxmlformats.org/officeDocument/2006/relationships" xmlns:p="http://schemas.openxmlformats.org/presentationml/2006/main">
   <p:cSld>
     <p:spTree>

--- a/PYTHON_9_Strings.pptx
+++ b/PYTHON_9_Strings.pptx
@@ -294,7 +294,7 @@
           <a:p>
             <a:fld id="{D3853345-A581-455E-9661-1270F4F6E587}" type="datetimeFigureOut">
               <a:rPr lang="en-US" smtClean="0"/>
-              <a:t>7/16/2019</a:t>
+              <a:t>7/18/2019</a:t>
             </a:fld>
             <a:endParaRPr lang="en-US" dirty="0"/>
           </a:p>
@@ -497,7 +497,7 @@
           <a:p>
             <a:fld id="{D3853345-A581-455E-9661-1270F4F6E587}" type="datetimeFigureOut">
               <a:rPr lang="en-US" smtClean="0"/>
-              <a:t>7/16/2019</a:t>
+              <a:t>7/18/2019</a:t>
             </a:fld>
             <a:endParaRPr lang="en-US" dirty="0"/>
           </a:p>
@@ -705,7 +705,7 @@
           <a:p>
             <a:fld id="{D3853345-A581-455E-9661-1270F4F6E587}" type="datetimeFigureOut">
               <a:rPr lang="en-US" smtClean="0"/>
-              <a:t>7/16/2019</a:t>
+              <a:t>7/18/2019</a:t>
             </a:fld>
             <a:endParaRPr lang="en-US" dirty="0"/>
           </a:p>
@@ -903,7 +903,7 @@
           <a:p>
             <a:fld id="{D3853345-A581-455E-9661-1270F4F6E587}" type="datetimeFigureOut">
               <a:rPr lang="en-US" smtClean="0"/>
-              <a:t>7/16/2019</a:t>
+              <a:t>7/18/2019</a:t>
             </a:fld>
             <a:endParaRPr lang="en-US" dirty="0"/>
           </a:p>
@@ -1178,7 +1178,7 @@
           <a:p>
             <a:fld id="{D3853345-A581-455E-9661-1270F4F6E587}" type="datetimeFigureOut">
               <a:rPr lang="en-US" smtClean="0"/>
-              <a:t>7/16/2019</a:t>
+              <a:t>7/18/2019</a:t>
             </a:fld>
             <a:endParaRPr lang="en-US" dirty="0"/>
           </a:p>
@@ -1443,7 +1443,7 @@
           <a:p>
             <a:fld id="{D3853345-A581-455E-9661-1270F4F6E587}" type="datetimeFigureOut">
               <a:rPr lang="en-US" smtClean="0"/>
-              <a:t>7/16/2019</a:t>
+              <a:t>7/18/2019</a:t>
             </a:fld>
             <a:endParaRPr lang="en-US" dirty="0"/>
           </a:p>
@@ -1855,7 +1855,7 @@
           <a:p>
             <a:fld id="{D3853345-A581-455E-9661-1270F4F6E587}" type="datetimeFigureOut">
               <a:rPr lang="en-US" smtClean="0"/>
-              <a:t>7/16/2019</a:t>
+              <a:t>7/18/2019</a:t>
             </a:fld>
             <a:endParaRPr lang="en-US" dirty="0"/>
           </a:p>
@@ -1996,7 +1996,7 @@
           <a:p>
             <a:fld id="{D3853345-A581-455E-9661-1270F4F6E587}" type="datetimeFigureOut">
               <a:rPr lang="en-US" smtClean="0"/>
-              <a:t>7/16/2019</a:t>
+              <a:t>7/18/2019</a:t>
             </a:fld>
             <a:endParaRPr lang="en-US" dirty="0"/>
           </a:p>
@@ -2109,7 +2109,7 @@
           <a:p>
             <a:fld id="{D3853345-A581-455E-9661-1270F4F6E587}" type="datetimeFigureOut">
               <a:rPr lang="en-US" smtClean="0"/>
-              <a:t>7/16/2019</a:t>
+              <a:t>7/18/2019</a:t>
             </a:fld>
             <a:endParaRPr lang="en-US" dirty="0"/>
           </a:p>
@@ -2425,7 +2425,7 @@
           <a:p>
             <a:fld id="{D3853345-A581-455E-9661-1270F4F6E587}" type="datetimeFigureOut">
               <a:rPr lang="en-US" smtClean="0"/>
-              <a:t>7/16/2019</a:t>
+              <a:t>7/18/2019</a:t>
             </a:fld>
             <a:endParaRPr lang="en-US" dirty="0"/>
           </a:p>
@@ -2718,7 +2718,7 @@
           <a:p>
             <a:fld id="{D3853345-A581-455E-9661-1270F4F6E587}" type="datetimeFigureOut">
               <a:rPr lang="en-US" smtClean="0"/>
-              <a:t>7/16/2019</a:t>
+              <a:t>7/18/2019</a:t>
             </a:fld>
             <a:endParaRPr lang="en-US" dirty="0"/>
           </a:p>
@@ -2959,7 +2959,7 @@
           <a:p>
             <a:fld id="{D3853345-A581-455E-9661-1270F4F6E587}" type="datetimeFigureOut">
               <a:rPr lang="en-US" smtClean="0"/>
-              <a:t>7/16/2019</a:t>
+              <a:t>7/18/2019</a:t>
             </a:fld>
             <a:endParaRPr lang="en-US" dirty="0"/>
           </a:p>
@@ -8079,7 +8079,7 @@
               <a:t> a ‘</a:t>
             </a:r>
             <a:r>
-              <a:rPr lang="fr-FR" dirty="0" err="1"/>
+              <a:rPr lang="fr-FR" b="1" dirty="0" err="1"/>
               <a:t>True</a:t>
             </a:r>
             <a:r>
